--- a/Thermo 2022 (Neshyba)/Lectures/Week 1 - Gas laws/Week 1.2 Recap and moving forward.pptx
+++ b/Thermo 2022 (Neshyba)/Lectures/Week 1 - Gas laws/Week 1.2 Recap and moving forward.pptx
@@ -11,10 +11,17 @@
     <p:sldId id="288" r:id="rId5"/>
     <p:sldId id="290" r:id="rId6"/>
     <p:sldId id="292" r:id="rId7"/>
-    <p:sldId id="291" r:id="rId8"/>
-    <p:sldId id="293" r:id="rId9"/>
-    <p:sldId id="295" r:id="rId10"/>
-    <p:sldId id="294" r:id="rId11"/>
+    <p:sldId id="267" r:id="rId8"/>
+    <p:sldId id="291" r:id="rId9"/>
+    <p:sldId id="293" r:id="rId10"/>
+    <p:sldId id="295" r:id="rId11"/>
+    <p:sldId id="298" r:id="rId12"/>
+    <p:sldId id="300" r:id="rId13"/>
+    <p:sldId id="301" r:id="rId14"/>
+    <p:sldId id="304" r:id="rId15"/>
+    <p:sldId id="302" r:id="rId16"/>
+    <p:sldId id="303" r:id="rId17"/>
+    <p:sldId id="294" r:id="rId18"/>
   </p:sldIdLst>
   <p:sldSz cx="12192000" cy="6858000"/>
   <p:notesSz cx="6858000" cy="9144000"/>
@@ -268,7 +275,7 @@
           <a:p>
             <a:fld id="{0D3283BA-BDBD-3741-AC51-C0F7FE6E6BB8}" type="datetimeFigureOut">
               <a:rPr lang="en-US" smtClean="0"/>
-              <a:t>9/27/21</a:t>
+              <a:t>9/1/22</a:t>
             </a:fld>
             <a:endParaRPr lang="en-US"/>
           </a:p>
@@ -466,7 +473,7 @@
           <a:p>
             <a:fld id="{0D3283BA-BDBD-3741-AC51-C0F7FE6E6BB8}" type="datetimeFigureOut">
               <a:rPr lang="en-US" smtClean="0"/>
-              <a:t>9/27/21</a:t>
+              <a:t>9/1/22</a:t>
             </a:fld>
             <a:endParaRPr lang="en-US"/>
           </a:p>
@@ -674,7 +681,7 @@
           <a:p>
             <a:fld id="{0D3283BA-BDBD-3741-AC51-C0F7FE6E6BB8}" type="datetimeFigureOut">
               <a:rPr lang="en-US" smtClean="0"/>
-              <a:t>9/27/21</a:t>
+              <a:t>9/1/22</a:t>
             </a:fld>
             <a:endParaRPr lang="en-US"/>
           </a:p>
@@ -872,7 +879,7 @@
           <a:p>
             <a:fld id="{0D3283BA-BDBD-3741-AC51-C0F7FE6E6BB8}" type="datetimeFigureOut">
               <a:rPr lang="en-US" smtClean="0"/>
-              <a:t>9/27/21</a:t>
+              <a:t>9/1/22</a:t>
             </a:fld>
             <a:endParaRPr lang="en-US"/>
           </a:p>
@@ -1147,7 +1154,7 @@
           <a:p>
             <a:fld id="{0D3283BA-BDBD-3741-AC51-C0F7FE6E6BB8}" type="datetimeFigureOut">
               <a:rPr lang="en-US" smtClean="0"/>
-              <a:t>9/27/21</a:t>
+              <a:t>9/1/22</a:t>
             </a:fld>
             <a:endParaRPr lang="en-US"/>
           </a:p>
@@ -1412,7 +1419,7 @@
           <a:p>
             <a:fld id="{0D3283BA-BDBD-3741-AC51-C0F7FE6E6BB8}" type="datetimeFigureOut">
               <a:rPr lang="en-US" smtClean="0"/>
-              <a:t>9/27/21</a:t>
+              <a:t>9/1/22</a:t>
             </a:fld>
             <a:endParaRPr lang="en-US"/>
           </a:p>
@@ -1824,7 +1831,7 @@
           <a:p>
             <a:fld id="{0D3283BA-BDBD-3741-AC51-C0F7FE6E6BB8}" type="datetimeFigureOut">
               <a:rPr lang="en-US" smtClean="0"/>
-              <a:t>9/27/21</a:t>
+              <a:t>9/1/22</a:t>
             </a:fld>
             <a:endParaRPr lang="en-US"/>
           </a:p>
@@ -1965,7 +1972,7 @@
           <a:p>
             <a:fld id="{0D3283BA-BDBD-3741-AC51-C0F7FE6E6BB8}" type="datetimeFigureOut">
               <a:rPr lang="en-US" smtClean="0"/>
-              <a:t>9/27/21</a:t>
+              <a:t>9/1/22</a:t>
             </a:fld>
             <a:endParaRPr lang="en-US"/>
           </a:p>
@@ -2078,7 +2085,7 @@
           <a:p>
             <a:fld id="{0D3283BA-BDBD-3741-AC51-C0F7FE6E6BB8}" type="datetimeFigureOut">
               <a:rPr lang="en-US" smtClean="0"/>
-              <a:t>9/27/21</a:t>
+              <a:t>9/1/22</a:t>
             </a:fld>
             <a:endParaRPr lang="en-US"/>
           </a:p>
@@ -2389,7 +2396,7 @@
           <a:p>
             <a:fld id="{0D3283BA-BDBD-3741-AC51-C0F7FE6E6BB8}" type="datetimeFigureOut">
               <a:rPr lang="en-US" smtClean="0"/>
-              <a:t>9/27/21</a:t>
+              <a:t>9/1/22</a:t>
             </a:fld>
             <a:endParaRPr lang="en-US"/>
           </a:p>
@@ -2677,7 +2684,7 @@
           <a:p>
             <a:fld id="{0D3283BA-BDBD-3741-AC51-C0F7FE6E6BB8}" type="datetimeFigureOut">
               <a:rPr lang="en-US" smtClean="0"/>
-              <a:t>9/27/21</a:t>
+              <a:t>9/1/22</a:t>
             </a:fld>
             <a:endParaRPr lang="en-US"/>
           </a:p>
@@ -2918,7 +2925,7 @@
           <a:p>
             <a:fld id="{0D3283BA-BDBD-3741-AC51-C0F7FE6E6BB8}" type="datetimeFigureOut">
               <a:rPr lang="en-US" smtClean="0"/>
-              <a:t>9/27/21</a:t>
+              <a:t>9/1/22</a:t>
             </a:fld>
             <a:endParaRPr lang="en-US"/>
           </a:p>
@@ -3468,6 +3475,1256 @@
 </file>
 
 <file path=ppt/slides/slide10.xml><?xml version="1.0" encoding="utf-8"?>
+<p:sld xmlns:a="http://schemas.openxmlformats.org/drawingml/2006/main" xmlns:r="http://schemas.openxmlformats.org/officeDocument/2006/relationships" xmlns:p="http://schemas.openxmlformats.org/presentationml/2006/main">
+  <p:cSld>
+    <p:spTree>
+      <p:nvGrpSpPr>
+        <p:cNvPr id="1" name=""/>
+        <p:cNvGrpSpPr/>
+        <p:nvPr/>
+      </p:nvGrpSpPr>
+      <p:grpSpPr>
+        <a:xfrm>
+          <a:off x="0" y="0"/>
+          <a:ext cx="0" cy="0"/>
+          <a:chOff x="0" y="0"/>
+          <a:chExt cx="0" cy="0"/>
+        </a:xfrm>
+      </p:grpSpPr>
+      <p:sp>
+        <p:nvSpPr>
+          <p:cNvPr id="4" name="TextBox 3">
+            <a:extLst>
+              <a:ext uri="{FF2B5EF4-FFF2-40B4-BE49-F238E27FC236}">
+                <a16:creationId xmlns:a16="http://schemas.microsoft.com/office/drawing/2014/main" id="{09CDBA09-35B1-0741-8647-31209C5FF939}"/>
+              </a:ext>
+            </a:extLst>
+          </p:cNvPr>
+          <p:cNvSpPr txBox="1"/>
+          <p:nvPr/>
+        </p:nvSpPr>
+        <p:spPr>
+          <a:xfrm>
+            <a:off x="134912" y="213950"/>
+            <a:ext cx="11922176" cy="461665"/>
+          </a:xfrm>
+          <a:prstGeom prst="rect">
+            <a:avLst/>
+          </a:prstGeom>
+          <a:noFill/>
+        </p:spPr>
+        <p:txBody>
+          <a:bodyPr wrap="square" rtlCol="0">
+            <a:spAutoFit/>
+          </a:bodyPr>
+          <a:lstStyle/>
+          <a:p>
+            <a:r>
+              <a:rPr lang="en-US" sz="2400" b="1" dirty="0"/>
+              <a:t>Units: using </a:t>
+            </a:r>
+            <a:r>
+              <a:rPr lang="en-US" sz="2400" b="1" i="1" dirty="0"/>
+              <a:t>pint</a:t>
+            </a:r>
+          </a:p>
+        </p:txBody>
+      </p:sp>
+      <p:sp>
+        <p:nvSpPr>
+          <p:cNvPr id="3" name="TextBox 2">
+            <a:extLst>
+              <a:ext uri="{FF2B5EF4-FFF2-40B4-BE49-F238E27FC236}">
+                <a16:creationId xmlns:a16="http://schemas.microsoft.com/office/drawing/2014/main" id="{1DDC7D94-172B-DB4F-B60D-074021B63032}"/>
+              </a:ext>
+            </a:extLst>
+          </p:cNvPr>
+          <p:cNvSpPr txBox="1"/>
+          <p:nvPr/>
+        </p:nvSpPr>
+        <p:spPr>
+          <a:xfrm>
+            <a:off x="134912" y="921902"/>
+            <a:ext cx="11524652" cy="461665"/>
+          </a:xfrm>
+          <a:prstGeom prst="rect">
+            <a:avLst/>
+          </a:prstGeom>
+          <a:noFill/>
+        </p:spPr>
+        <p:txBody>
+          <a:bodyPr wrap="square" rtlCol="0">
+            <a:spAutoFit/>
+          </a:bodyPr>
+          <a:lstStyle/>
+          <a:p>
+            <a:r>
+              <a:rPr lang="en-US" sz="2400" dirty="0"/>
+              <a:t>This is how you bring pint into your Python notebook (“importing”) </a:t>
+            </a:r>
+          </a:p>
+        </p:txBody>
+      </p:sp>
+      <p:sp>
+        <p:nvSpPr>
+          <p:cNvPr id="9" name="TextBox 8">
+            <a:extLst>
+              <a:ext uri="{FF2B5EF4-FFF2-40B4-BE49-F238E27FC236}">
+                <a16:creationId xmlns:a16="http://schemas.microsoft.com/office/drawing/2014/main" id="{50696022-D68D-D244-AB6A-0B18F7AB6172}"/>
+              </a:ext>
+            </a:extLst>
+          </p:cNvPr>
+          <p:cNvSpPr txBox="1"/>
+          <p:nvPr/>
+        </p:nvSpPr>
+        <p:spPr>
+          <a:xfrm>
+            <a:off x="162700" y="2502525"/>
+            <a:ext cx="11894387" cy="461665"/>
+          </a:xfrm>
+          <a:prstGeom prst="rect">
+            <a:avLst/>
+          </a:prstGeom>
+          <a:noFill/>
+        </p:spPr>
+        <p:txBody>
+          <a:bodyPr wrap="square" rtlCol="0">
+            <a:spAutoFit/>
+          </a:bodyPr>
+          <a:lstStyle/>
+          <a:p>
+            <a:r>
+              <a:rPr lang="en-US" sz="2400" dirty="0"/>
+              <a:t>Super-handy because </a:t>
+            </a:r>
+            <a:r>
+              <a:rPr lang="en-US" sz="2400" b="1" dirty="0" err="1"/>
+              <a:t>AssignQuantity</a:t>
+            </a:r>
+            <a:r>
+              <a:rPr lang="en-US" sz="2400" b="1" dirty="0"/>
+              <a:t> attaches units for you:</a:t>
+            </a:r>
+            <a:endParaRPr lang="en-US" sz="2400" dirty="0"/>
+          </a:p>
+        </p:txBody>
+      </p:sp>
+      <p:pic>
+        <p:nvPicPr>
+          <p:cNvPr id="2" name="Picture 1">
+            <a:extLst>
+              <a:ext uri="{FF2B5EF4-FFF2-40B4-BE49-F238E27FC236}">
+                <a16:creationId xmlns:a16="http://schemas.microsoft.com/office/drawing/2014/main" id="{212E69EF-F830-01A8-85A7-71BF784F6FCA}"/>
+              </a:ext>
+            </a:extLst>
+          </p:cNvPr>
+          <p:cNvPicPr>
+            <a:picLocks noChangeAspect="1"/>
+          </p:cNvPicPr>
+          <p:nvPr/>
+        </p:nvPicPr>
+        <p:blipFill>
+          <a:blip r:embed="rId2"/>
+          <a:stretch>
+            <a:fillRect/>
+          </a:stretch>
+        </p:blipFill>
+        <p:spPr>
+          <a:xfrm>
+            <a:off x="1160779" y="1560290"/>
+            <a:ext cx="9660963" cy="422765"/>
+          </a:xfrm>
+          <a:prstGeom prst="rect">
+            <a:avLst/>
+          </a:prstGeom>
+        </p:spPr>
+      </p:pic>
+      <p:pic>
+        <p:nvPicPr>
+          <p:cNvPr id="6" name="Picture 5">
+            <a:extLst>
+              <a:ext uri="{FF2B5EF4-FFF2-40B4-BE49-F238E27FC236}">
+                <a16:creationId xmlns:a16="http://schemas.microsoft.com/office/drawing/2014/main" id="{841CB056-04A8-2382-45DC-39A0451993C7}"/>
+              </a:ext>
+            </a:extLst>
+          </p:cNvPr>
+          <p:cNvPicPr>
+            <a:picLocks noChangeAspect="1"/>
+          </p:cNvPicPr>
+          <p:nvPr/>
+        </p:nvPicPr>
+        <p:blipFill>
+          <a:blip r:embed="rId3"/>
+          <a:stretch>
+            <a:fillRect/>
+          </a:stretch>
+        </p:blipFill>
+        <p:spPr>
+          <a:xfrm>
+            <a:off x="1979454" y="3584600"/>
+            <a:ext cx="6553200" cy="1206500"/>
+          </a:xfrm>
+          <a:prstGeom prst="rect">
+            <a:avLst/>
+          </a:prstGeom>
+        </p:spPr>
+      </p:pic>
+    </p:spTree>
+    <p:extLst>
+      <p:ext uri="{BB962C8B-B14F-4D97-AF65-F5344CB8AC3E}">
+        <p14:creationId xmlns:p14="http://schemas.microsoft.com/office/powerpoint/2010/main" val="1726199459"/>
+      </p:ext>
+    </p:extLst>
+  </p:cSld>
+  <p:clrMapOvr>
+    <a:masterClrMapping/>
+  </p:clrMapOvr>
+</p:sld>
+</file>
+
+<file path=ppt/slides/slide11.xml><?xml version="1.0" encoding="utf-8"?>
+<p:sld xmlns:a="http://schemas.openxmlformats.org/drawingml/2006/main" xmlns:r="http://schemas.openxmlformats.org/officeDocument/2006/relationships" xmlns:p="http://schemas.openxmlformats.org/presentationml/2006/main">
+  <p:cSld>
+    <p:spTree>
+      <p:nvGrpSpPr>
+        <p:cNvPr id="1" name=""/>
+        <p:cNvGrpSpPr/>
+        <p:nvPr/>
+      </p:nvGrpSpPr>
+      <p:grpSpPr>
+        <a:xfrm>
+          <a:off x="0" y="0"/>
+          <a:ext cx="0" cy="0"/>
+          <a:chOff x="0" y="0"/>
+          <a:chExt cx="0" cy="0"/>
+        </a:xfrm>
+      </p:grpSpPr>
+      <p:sp>
+        <p:nvSpPr>
+          <p:cNvPr id="4" name="TextBox 3">
+            <a:extLst>
+              <a:ext uri="{FF2B5EF4-FFF2-40B4-BE49-F238E27FC236}">
+                <a16:creationId xmlns:a16="http://schemas.microsoft.com/office/drawing/2014/main" id="{09CDBA09-35B1-0741-8647-31209C5FF939}"/>
+              </a:ext>
+            </a:extLst>
+          </p:cNvPr>
+          <p:cNvSpPr txBox="1"/>
+          <p:nvPr/>
+        </p:nvSpPr>
+        <p:spPr>
+          <a:xfrm>
+            <a:off x="134912" y="213950"/>
+            <a:ext cx="11922176" cy="461665"/>
+          </a:xfrm>
+          <a:prstGeom prst="rect">
+            <a:avLst/>
+          </a:prstGeom>
+          <a:noFill/>
+        </p:spPr>
+        <p:txBody>
+          <a:bodyPr wrap="square" rtlCol="0">
+            <a:spAutoFit/>
+          </a:bodyPr>
+          <a:lstStyle/>
+          <a:p>
+            <a:r>
+              <a:rPr lang="en-US" sz="2400" b="1" dirty="0"/>
+              <a:t>Units: using </a:t>
+            </a:r>
+            <a:r>
+              <a:rPr lang="en-US" sz="2400" b="1" i="1" dirty="0"/>
+              <a:t>pint</a:t>
+            </a:r>
+          </a:p>
+        </p:txBody>
+      </p:sp>
+      <p:sp>
+        <p:nvSpPr>
+          <p:cNvPr id="3" name="TextBox 2">
+            <a:extLst>
+              <a:ext uri="{FF2B5EF4-FFF2-40B4-BE49-F238E27FC236}">
+                <a16:creationId xmlns:a16="http://schemas.microsoft.com/office/drawing/2014/main" id="{1DDC7D94-172B-DB4F-B60D-074021B63032}"/>
+              </a:ext>
+            </a:extLst>
+          </p:cNvPr>
+          <p:cNvSpPr txBox="1"/>
+          <p:nvPr/>
+        </p:nvSpPr>
+        <p:spPr>
+          <a:xfrm>
+            <a:off x="134912" y="921902"/>
+            <a:ext cx="11524652" cy="461665"/>
+          </a:xfrm>
+          <a:prstGeom prst="rect">
+            <a:avLst/>
+          </a:prstGeom>
+          <a:noFill/>
+        </p:spPr>
+        <p:txBody>
+          <a:bodyPr wrap="square" rtlCol="0">
+            <a:spAutoFit/>
+          </a:bodyPr>
+          <a:lstStyle/>
+          <a:p>
+            <a:r>
+              <a:rPr lang="en-US" sz="2400" dirty="0"/>
+              <a:t>This is how you bring pint into your Python notebook (“importing”) </a:t>
+            </a:r>
+          </a:p>
+        </p:txBody>
+      </p:sp>
+      <p:pic>
+        <p:nvPicPr>
+          <p:cNvPr id="2" name="Picture 1">
+            <a:extLst>
+              <a:ext uri="{FF2B5EF4-FFF2-40B4-BE49-F238E27FC236}">
+                <a16:creationId xmlns:a16="http://schemas.microsoft.com/office/drawing/2014/main" id="{212E69EF-F830-01A8-85A7-71BF784F6FCA}"/>
+              </a:ext>
+            </a:extLst>
+          </p:cNvPr>
+          <p:cNvPicPr>
+            <a:picLocks noChangeAspect="1"/>
+          </p:cNvPicPr>
+          <p:nvPr/>
+        </p:nvPicPr>
+        <p:blipFill>
+          <a:blip r:embed="rId2"/>
+          <a:stretch>
+            <a:fillRect/>
+          </a:stretch>
+        </p:blipFill>
+        <p:spPr>
+          <a:xfrm>
+            <a:off x="1160779" y="1560290"/>
+            <a:ext cx="9660963" cy="422765"/>
+          </a:xfrm>
+          <a:prstGeom prst="rect">
+            <a:avLst/>
+          </a:prstGeom>
+        </p:spPr>
+      </p:pic>
+      <p:pic>
+        <p:nvPicPr>
+          <p:cNvPr id="6" name="Picture 5">
+            <a:extLst>
+              <a:ext uri="{FF2B5EF4-FFF2-40B4-BE49-F238E27FC236}">
+                <a16:creationId xmlns:a16="http://schemas.microsoft.com/office/drawing/2014/main" id="{841CB056-04A8-2382-45DC-39A0451993C7}"/>
+              </a:ext>
+            </a:extLst>
+          </p:cNvPr>
+          <p:cNvPicPr>
+            <a:picLocks noChangeAspect="1"/>
+          </p:cNvPicPr>
+          <p:nvPr/>
+        </p:nvPicPr>
+        <p:blipFill>
+          <a:blip r:embed="rId3"/>
+          <a:stretch>
+            <a:fillRect/>
+          </a:stretch>
+        </p:blipFill>
+        <p:spPr>
+          <a:xfrm>
+            <a:off x="1979454" y="3584600"/>
+            <a:ext cx="6553200" cy="1206500"/>
+          </a:xfrm>
+          <a:prstGeom prst="rect">
+            <a:avLst/>
+          </a:prstGeom>
+        </p:spPr>
+      </p:pic>
+      <p:pic>
+        <p:nvPicPr>
+          <p:cNvPr id="7" name="Picture 6">
+            <a:extLst>
+              <a:ext uri="{FF2B5EF4-FFF2-40B4-BE49-F238E27FC236}">
+                <a16:creationId xmlns:a16="http://schemas.microsoft.com/office/drawing/2014/main" id="{630EE8C9-7948-BBFC-90FE-F1E54618CF6D}"/>
+              </a:ext>
+            </a:extLst>
+          </p:cNvPr>
+          <p:cNvPicPr>
+            <a:picLocks noChangeAspect="1"/>
+          </p:cNvPicPr>
+          <p:nvPr/>
+        </p:nvPicPr>
+        <p:blipFill>
+          <a:blip r:embed="rId4"/>
+          <a:stretch>
+            <a:fillRect/>
+          </a:stretch>
+        </p:blipFill>
+        <p:spPr>
+          <a:xfrm>
+            <a:off x="3703320" y="5114290"/>
+            <a:ext cx="2590800" cy="1041400"/>
+          </a:xfrm>
+          <a:prstGeom prst="rect">
+            <a:avLst/>
+          </a:prstGeom>
+        </p:spPr>
+      </p:pic>
+      <p:sp>
+        <p:nvSpPr>
+          <p:cNvPr id="5" name="TextBox 4">
+            <a:extLst>
+              <a:ext uri="{FF2B5EF4-FFF2-40B4-BE49-F238E27FC236}">
+                <a16:creationId xmlns:a16="http://schemas.microsoft.com/office/drawing/2014/main" id="{FD3E7FF0-D72A-4F86-C8FE-24991221E03F}"/>
+              </a:ext>
+            </a:extLst>
+          </p:cNvPr>
+          <p:cNvSpPr txBox="1"/>
+          <p:nvPr/>
+        </p:nvSpPr>
+        <p:spPr>
+          <a:xfrm>
+            <a:off x="162700" y="2502525"/>
+            <a:ext cx="11894387" cy="461665"/>
+          </a:xfrm>
+          <a:prstGeom prst="rect">
+            <a:avLst/>
+          </a:prstGeom>
+          <a:noFill/>
+        </p:spPr>
+        <p:txBody>
+          <a:bodyPr wrap="square" rtlCol="0">
+            <a:spAutoFit/>
+          </a:bodyPr>
+          <a:lstStyle/>
+          <a:p>
+            <a:r>
+              <a:rPr lang="en-US" sz="2400" dirty="0"/>
+              <a:t>Super-handy because </a:t>
+            </a:r>
+            <a:r>
+              <a:rPr lang="en-US" sz="2400" b="1" dirty="0" err="1"/>
+              <a:t>AssignQuantity</a:t>
+            </a:r>
+            <a:r>
+              <a:rPr lang="en-US" sz="2400" b="1" dirty="0"/>
+              <a:t> attaches units for you:</a:t>
+            </a:r>
+            <a:endParaRPr lang="en-US" sz="2400" dirty="0"/>
+          </a:p>
+        </p:txBody>
+      </p:sp>
+    </p:spTree>
+    <p:extLst>
+      <p:ext uri="{BB962C8B-B14F-4D97-AF65-F5344CB8AC3E}">
+        <p14:creationId xmlns:p14="http://schemas.microsoft.com/office/powerpoint/2010/main" val="3225673122"/>
+      </p:ext>
+    </p:extLst>
+  </p:cSld>
+  <p:clrMapOvr>
+    <a:masterClrMapping/>
+  </p:clrMapOvr>
+</p:sld>
+</file>
+
+<file path=ppt/slides/slide12.xml><?xml version="1.0" encoding="utf-8"?>
+<p:sld xmlns:a="http://schemas.openxmlformats.org/drawingml/2006/main" xmlns:r="http://schemas.openxmlformats.org/officeDocument/2006/relationships" xmlns:p="http://schemas.openxmlformats.org/presentationml/2006/main">
+  <p:cSld>
+    <p:spTree>
+      <p:nvGrpSpPr>
+        <p:cNvPr id="1" name=""/>
+        <p:cNvGrpSpPr/>
+        <p:nvPr/>
+      </p:nvGrpSpPr>
+      <p:grpSpPr>
+        <a:xfrm>
+          <a:off x="0" y="0"/>
+          <a:ext cx="0" cy="0"/>
+          <a:chOff x="0" y="0"/>
+          <a:chExt cx="0" cy="0"/>
+        </a:xfrm>
+      </p:grpSpPr>
+      <p:sp>
+        <p:nvSpPr>
+          <p:cNvPr id="4" name="TextBox 3">
+            <a:extLst>
+              <a:ext uri="{FF2B5EF4-FFF2-40B4-BE49-F238E27FC236}">
+                <a16:creationId xmlns:a16="http://schemas.microsoft.com/office/drawing/2014/main" id="{09CDBA09-35B1-0741-8647-31209C5FF939}"/>
+              </a:ext>
+            </a:extLst>
+          </p:cNvPr>
+          <p:cNvSpPr txBox="1"/>
+          <p:nvPr/>
+        </p:nvSpPr>
+        <p:spPr>
+          <a:xfrm>
+            <a:off x="134912" y="213950"/>
+            <a:ext cx="11922176" cy="461665"/>
+          </a:xfrm>
+          <a:prstGeom prst="rect">
+            <a:avLst/>
+          </a:prstGeom>
+          <a:noFill/>
+        </p:spPr>
+        <p:txBody>
+          <a:bodyPr wrap="square" rtlCol="0">
+            <a:spAutoFit/>
+          </a:bodyPr>
+          <a:lstStyle/>
+          <a:p>
+            <a:r>
+              <a:rPr lang="en-US" sz="2400" b="1" dirty="0"/>
+              <a:t>Units: using </a:t>
+            </a:r>
+            <a:r>
+              <a:rPr lang="en-US" sz="2400" b="1" i="1" dirty="0"/>
+              <a:t>pint</a:t>
+            </a:r>
+          </a:p>
+        </p:txBody>
+      </p:sp>
+      <p:sp>
+        <p:nvSpPr>
+          <p:cNvPr id="9" name="TextBox 8">
+            <a:extLst>
+              <a:ext uri="{FF2B5EF4-FFF2-40B4-BE49-F238E27FC236}">
+                <a16:creationId xmlns:a16="http://schemas.microsoft.com/office/drawing/2014/main" id="{50696022-D68D-D244-AB6A-0B18F7AB6172}"/>
+              </a:ext>
+            </a:extLst>
+          </p:cNvPr>
+          <p:cNvSpPr txBox="1"/>
+          <p:nvPr/>
+        </p:nvSpPr>
+        <p:spPr>
+          <a:xfrm>
+            <a:off x="162701" y="1142096"/>
+            <a:ext cx="11894387" cy="1200329"/>
+          </a:xfrm>
+          <a:prstGeom prst="rect">
+            <a:avLst/>
+          </a:prstGeom>
+          <a:noFill/>
+        </p:spPr>
+        <p:txBody>
+          <a:bodyPr wrap="square" rtlCol="0">
+            <a:spAutoFit/>
+          </a:bodyPr>
+          <a:lstStyle/>
+          <a:p>
+            <a:r>
+              <a:rPr lang="en-US" sz="2400" dirty="0"/>
+              <a:t>Why is that cool? Because variables that have units are carried through when you do a calculation! Say  you want to approximate a real gas by the ideal gas law. In Python, you could say</a:t>
+            </a:r>
+          </a:p>
+        </p:txBody>
+      </p:sp>
+      <p:pic>
+        <p:nvPicPr>
+          <p:cNvPr id="2" name="Picture 1">
+            <a:extLst>
+              <a:ext uri="{FF2B5EF4-FFF2-40B4-BE49-F238E27FC236}">
+                <a16:creationId xmlns:a16="http://schemas.microsoft.com/office/drawing/2014/main" id="{C0B1274A-3EBF-DB82-D8E2-259E590B4B54}"/>
+              </a:ext>
+            </a:extLst>
+          </p:cNvPr>
+          <p:cNvPicPr>
+            <a:picLocks noChangeAspect="1"/>
+          </p:cNvPicPr>
+          <p:nvPr/>
+        </p:nvPicPr>
+        <p:blipFill>
+          <a:blip r:embed="rId2"/>
+          <a:stretch>
+            <a:fillRect/>
+          </a:stretch>
+        </p:blipFill>
+        <p:spPr>
+          <a:xfrm>
+            <a:off x="1714499" y="2439574"/>
+            <a:ext cx="8102501" cy="1035050"/>
+          </a:xfrm>
+          <a:prstGeom prst="rect">
+            <a:avLst/>
+          </a:prstGeom>
+        </p:spPr>
+      </p:pic>
+    </p:spTree>
+    <p:extLst>
+      <p:ext uri="{BB962C8B-B14F-4D97-AF65-F5344CB8AC3E}">
+        <p14:creationId xmlns:p14="http://schemas.microsoft.com/office/powerpoint/2010/main" val="3064403583"/>
+      </p:ext>
+    </p:extLst>
+  </p:cSld>
+  <p:clrMapOvr>
+    <a:masterClrMapping/>
+  </p:clrMapOvr>
+</p:sld>
+</file>
+
+<file path=ppt/slides/slide13.xml><?xml version="1.0" encoding="utf-8"?>
+<p:sld xmlns:a="http://schemas.openxmlformats.org/drawingml/2006/main" xmlns:r="http://schemas.openxmlformats.org/officeDocument/2006/relationships" xmlns:p="http://schemas.openxmlformats.org/presentationml/2006/main">
+  <p:cSld>
+    <p:spTree>
+      <p:nvGrpSpPr>
+        <p:cNvPr id="1" name=""/>
+        <p:cNvGrpSpPr/>
+        <p:nvPr/>
+      </p:nvGrpSpPr>
+      <p:grpSpPr>
+        <a:xfrm>
+          <a:off x="0" y="0"/>
+          <a:ext cx="0" cy="0"/>
+          <a:chOff x="0" y="0"/>
+          <a:chExt cx="0" cy="0"/>
+        </a:xfrm>
+      </p:grpSpPr>
+      <p:sp>
+        <p:nvSpPr>
+          <p:cNvPr id="4" name="TextBox 3">
+            <a:extLst>
+              <a:ext uri="{FF2B5EF4-FFF2-40B4-BE49-F238E27FC236}">
+                <a16:creationId xmlns:a16="http://schemas.microsoft.com/office/drawing/2014/main" id="{09CDBA09-35B1-0741-8647-31209C5FF939}"/>
+              </a:ext>
+            </a:extLst>
+          </p:cNvPr>
+          <p:cNvSpPr txBox="1"/>
+          <p:nvPr/>
+        </p:nvSpPr>
+        <p:spPr>
+          <a:xfrm>
+            <a:off x="134912" y="213950"/>
+            <a:ext cx="11922176" cy="461665"/>
+          </a:xfrm>
+          <a:prstGeom prst="rect">
+            <a:avLst/>
+          </a:prstGeom>
+          <a:noFill/>
+        </p:spPr>
+        <p:txBody>
+          <a:bodyPr wrap="square" rtlCol="0">
+            <a:spAutoFit/>
+          </a:bodyPr>
+          <a:lstStyle/>
+          <a:p>
+            <a:r>
+              <a:rPr lang="en-US" sz="2400" b="1" dirty="0"/>
+              <a:t>Units: using </a:t>
+            </a:r>
+            <a:r>
+              <a:rPr lang="en-US" sz="2400" b="1" i="1" dirty="0"/>
+              <a:t>pint</a:t>
+            </a:r>
+          </a:p>
+        </p:txBody>
+      </p:sp>
+      <p:pic>
+        <p:nvPicPr>
+          <p:cNvPr id="2" name="Picture 1">
+            <a:extLst>
+              <a:ext uri="{FF2B5EF4-FFF2-40B4-BE49-F238E27FC236}">
+                <a16:creationId xmlns:a16="http://schemas.microsoft.com/office/drawing/2014/main" id="{C0B1274A-3EBF-DB82-D8E2-259E590B4B54}"/>
+              </a:ext>
+            </a:extLst>
+          </p:cNvPr>
+          <p:cNvPicPr>
+            <a:picLocks noChangeAspect="1"/>
+          </p:cNvPicPr>
+          <p:nvPr/>
+        </p:nvPicPr>
+        <p:blipFill>
+          <a:blip r:embed="rId2"/>
+          <a:stretch>
+            <a:fillRect/>
+          </a:stretch>
+        </p:blipFill>
+        <p:spPr>
+          <a:xfrm>
+            <a:off x="1714499" y="2439574"/>
+            <a:ext cx="8102501" cy="1035050"/>
+          </a:xfrm>
+          <a:prstGeom prst="rect">
+            <a:avLst/>
+          </a:prstGeom>
+        </p:spPr>
+      </p:pic>
+      <p:pic>
+        <p:nvPicPr>
+          <p:cNvPr id="3" name="Picture 2">
+            <a:extLst>
+              <a:ext uri="{FF2B5EF4-FFF2-40B4-BE49-F238E27FC236}">
+                <a16:creationId xmlns:a16="http://schemas.microsoft.com/office/drawing/2014/main" id="{306FA04A-1993-EE1C-0E2F-6160EA16344B}"/>
+              </a:ext>
+            </a:extLst>
+          </p:cNvPr>
+          <p:cNvPicPr>
+            <a:picLocks noChangeAspect="1"/>
+          </p:cNvPicPr>
+          <p:nvPr/>
+        </p:nvPicPr>
+        <p:blipFill>
+          <a:blip r:embed="rId3"/>
+          <a:stretch>
+            <a:fillRect/>
+          </a:stretch>
+        </p:blipFill>
+        <p:spPr>
+          <a:xfrm>
+            <a:off x="463435" y="4272895"/>
+            <a:ext cx="10923385" cy="472440"/>
+          </a:xfrm>
+          <a:prstGeom prst="rect">
+            <a:avLst/>
+          </a:prstGeom>
+        </p:spPr>
+      </p:pic>
+      <p:sp>
+        <p:nvSpPr>
+          <p:cNvPr id="5" name="TextBox 4">
+            <a:extLst>
+              <a:ext uri="{FF2B5EF4-FFF2-40B4-BE49-F238E27FC236}">
+                <a16:creationId xmlns:a16="http://schemas.microsoft.com/office/drawing/2014/main" id="{0F7BB43B-E566-3DB0-FF5F-AF815ADC5ADA}"/>
+              </a:ext>
+            </a:extLst>
+          </p:cNvPr>
+          <p:cNvSpPr txBox="1"/>
+          <p:nvPr/>
+        </p:nvSpPr>
+        <p:spPr>
+          <a:xfrm>
+            <a:off x="162701" y="1142096"/>
+            <a:ext cx="11894387" cy="1200329"/>
+          </a:xfrm>
+          <a:prstGeom prst="rect">
+            <a:avLst/>
+          </a:prstGeom>
+          <a:noFill/>
+        </p:spPr>
+        <p:txBody>
+          <a:bodyPr wrap="square" rtlCol="0">
+            <a:spAutoFit/>
+          </a:bodyPr>
+          <a:lstStyle/>
+          <a:p>
+            <a:r>
+              <a:rPr lang="en-US" sz="2400" dirty="0"/>
+              <a:t>Why is that cool? Because variables that have units are carried through when you do a calculation! Say  you want to approximate a real gas by the ideal gas law. In Python, you could say</a:t>
+            </a:r>
+          </a:p>
+        </p:txBody>
+      </p:sp>
+    </p:spTree>
+    <p:extLst>
+      <p:ext uri="{BB962C8B-B14F-4D97-AF65-F5344CB8AC3E}">
+        <p14:creationId xmlns:p14="http://schemas.microsoft.com/office/powerpoint/2010/main" val="871533079"/>
+      </p:ext>
+    </p:extLst>
+  </p:cSld>
+  <p:clrMapOvr>
+    <a:masterClrMapping/>
+  </p:clrMapOvr>
+</p:sld>
+</file>
+
+<file path=ppt/slides/slide14.xml><?xml version="1.0" encoding="utf-8"?>
+<p:sld xmlns:a="http://schemas.openxmlformats.org/drawingml/2006/main" xmlns:r="http://schemas.openxmlformats.org/officeDocument/2006/relationships" xmlns:p="http://schemas.openxmlformats.org/presentationml/2006/main">
+  <p:cSld>
+    <p:spTree>
+      <p:nvGrpSpPr>
+        <p:cNvPr id="1" name=""/>
+        <p:cNvGrpSpPr/>
+        <p:nvPr/>
+      </p:nvGrpSpPr>
+      <p:grpSpPr>
+        <a:xfrm>
+          <a:off x="0" y="0"/>
+          <a:ext cx="0" cy="0"/>
+          <a:chOff x="0" y="0"/>
+          <a:chExt cx="0" cy="0"/>
+        </a:xfrm>
+      </p:grpSpPr>
+      <p:sp>
+        <p:nvSpPr>
+          <p:cNvPr id="4" name="TextBox 3">
+            <a:extLst>
+              <a:ext uri="{FF2B5EF4-FFF2-40B4-BE49-F238E27FC236}">
+                <a16:creationId xmlns:a16="http://schemas.microsoft.com/office/drawing/2014/main" id="{09CDBA09-35B1-0741-8647-31209C5FF939}"/>
+              </a:ext>
+            </a:extLst>
+          </p:cNvPr>
+          <p:cNvSpPr txBox="1"/>
+          <p:nvPr/>
+        </p:nvSpPr>
+        <p:spPr>
+          <a:xfrm>
+            <a:off x="134912" y="213950"/>
+            <a:ext cx="11922176" cy="461665"/>
+          </a:xfrm>
+          <a:prstGeom prst="rect">
+            <a:avLst/>
+          </a:prstGeom>
+          <a:noFill/>
+        </p:spPr>
+        <p:txBody>
+          <a:bodyPr wrap="square" rtlCol="0">
+            <a:spAutoFit/>
+          </a:bodyPr>
+          <a:lstStyle/>
+          <a:p>
+            <a:r>
+              <a:rPr lang="en-US" sz="2400" b="1" dirty="0"/>
+              <a:t>Units: using </a:t>
+            </a:r>
+            <a:r>
+              <a:rPr lang="en-US" sz="2400" b="1" i="1" dirty="0"/>
+              <a:t>pint</a:t>
+            </a:r>
+          </a:p>
+        </p:txBody>
+      </p:sp>
+      <p:pic>
+        <p:nvPicPr>
+          <p:cNvPr id="2" name="Picture 1">
+            <a:extLst>
+              <a:ext uri="{FF2B5EF4-FFF2-40B4-BE49-F238E27FC236}">
+                <a16:creationId xmlns:a16="http://schemas.microsoft.com/office/drawing/2014/main" id="{C0B1274A-3EBF-DB82-D8E2-259E590B4B54}"/>
+              </a:ext>
+            </a:extLst>
+          </p:cNvPr>
+          <p:cNvPicPr>
+            <a:picLocks noChangeAspect="1"/>
+          </p:cNvPicPr>
+          <p:nvPr/>
+        </p:nvPicPr>
+        <p:blipFill>
+          <a:blip r:embed="rId2"/>
+          <a:stretch>
+            <a:fillRect/>
+          </a:stretch>
+        </p:blipFill>
+        <p:spPr>
+          <a:xfrm>
+            <a:off x="1714499" y="2439574"/>
+            <a:ext cx="8102501" cy="1035050"/>
+          </a:xfrm>
+          <a:prstGeom prst="rect">
+            <a:avLst/>
+          </a:prstGeom>
+        </p:spPr>
+      </p:pic>
+      <p:pic>
+        <p:nvPicPr>
+          <p:cNvPr id="3" name="Picture 2">
+            <a:extLst>
+              <a:ext uri="{FF2B5EF4-FFF2-40B4-BE49-F238E27FC236}">
+                <a16:creationId xmlns:a16="http://schemas.microsoft.com/office/drawing/2014/main" id="{306FA04A-1993-EE1C-0E2F-6160EA16344B}"/>
+              </a:ext>
+            </a:extLst>
+          </p:cNvPr>
+          <p:cNvPicPr>
+            <a:picLocks noChangeAspect="1"/>
+          </p:cNvPicPr>
+          <p:nvPr/>
+        </p:nvPicPr>
+        <p:blipFill>
+          <a:blip r:embed="rId3"/>
+          <a:stretch>
+            <a:fillRect/>
+          </a:stretch>
+        </p:blipFill>
+        <p:spPr>
+          <a:xfrm>
+            <a:off x="463435" y="4272895"/>
+            <a:ext cx="10923385" cy="472440"/>
+          </a:xfrm>
+          <a:prstGeom prst="rect">
+            <a:avLst/>
+          </a:prstGeom>
+        </p:spPr>
+      </p:pic>
+      <p:sp>
+        <p:nvSpPr>
+          <p:cNvPr id="5" name="TextBox 4">
+            <a:extLst>
+              <a:ext uri="{FF2B5EF4-FFF2-40B4-BE49-F238E27FC236}">
+                <a16:creationId xmlns:a16="http://schemas.microsoft.com/office/drawing/2014/main" id="{DD8F8224-5AC5-7F55-F1B2-1C426039EA29}"/>
+              </a:ext>
+            </a:extLst>
+          </p:cNvPr>
+          <p:cNvSpPr txBox="1"/>
+          <p:nvPr/>
+        </p:nvSpPr>
+        <p:spPr>
+          <a:xfrm>
+            <a:off x="162701" y="5128107"/>
+            <a:ext cx="11894387" cy="461665"/>
+          </a:xfrm>
+          <a:prstGeom prst="rect">
+            <a:avLst/>
+          </a:prstGeom>
+          <a:noFill/>
+        </p:spPr>
+        <p:txBody>
+          <a:bodyPr wrap="square" rtlCol="0">
+            <a:spAutoFit/>
+          </a:bodyPr>
+          <a:lstStyle/>
+          <a:p>
+            <a:r>
+              <a:rPr lang="en-US" sz="2400" dirty="0"/>
+              <a:t>But </a:t>
+            </a:r>
+            <a:r>
+              <a:rPr lang="en-US" sz="2400" b="1" dirty="0"/>
+              <a:t>joule / milliliter </a:t>
+            </a:r>
+            <a:r>
+              <a:rPr lang="en-US" sz="2400" dirty="0"/>
+              <a:t>is not a unit of pressure that anybody uses! So we need to convert it … </a:t>
+            </a:r>
+          </a:p>
+        </p:txBody>
+      </p:sp>
+      <p:sp>
+        <p:nvSpPr>
+          <p:cNvPr id="6" name="TextBox 5">
+            <a:extLst>
+              <a:ext uri="{FF2B5EF4-FFF2-40B4-BE49-F238E27FC236}">
+                <a16:creationId xmlns:a16="http://schemas.microsoft.com/office/drawing/2014/main" id="{E0A8A12E-7183-3F59-64C9-6404E3887D32}"/>
+              </a:ext>
+            </a:extLst>
+          </p:cNvPr>
+          <p:cNvSpPr txBox="1"/>
+          <p:nvPr/>
+        </p:nvSpPr>
+        <p:spPr>
+          <a:xfrm>
+            <a:off x="162701" y="1142096"/>
+            <a:ext cx="11894387" cy="1200329"/>
+          </a:xfrm>
+          <a:prstGeom prst="rect">
+            <a:avLst/>
+          </a:prstGeom>
+          <a:noFill/>
+        </p:spPr>
+        <p:txBody>
+          <a:bodyPr wrap="square" rtlCol="0">
+            <a:spAutoFit/>
+          </a:bodyPr>
+          <a:lstStyle/>
+          <a:p>
+            <a:r>
+              <a:rPr lang="en-US" sz="2400" dirty="0"/>
+              <a:t>Why is that cool? Because variables that have units are carried through when you do a calculation! Say  you want to approximate a real gas by the ideal gas law. In Python, you could say</a:t>
+            </a:r>
+          </a:p>
+        </p:txBody>
+      </p:sp>
+    </p:spTree>
+    <p:extLst>
+      <p:ext uri="{BB962C8B-B14F-4D97-AF65-F5344CB8AC3E}">
+        <p14:creationId xmlns:p14="http://schemas.microsoft.com/office/powerpoint/2010/main" val="1137115154"/>
+      </p:ext>
+    </p:extLst>
+  </p:cSld>
+  <p:clrMapOvr>
+    <a:masterClrMapping/>
+  </p:clrMapOvr>
+</p:sld>
+</file>
+
+<file path=ppt/slides/slide15.xml><?xml version="1.0" encoding="utf-8"?>
+<p:sld xmlns:a="http://schemas.openxmlformats.org/drawingml/2006/main" xmlns:r="http://schemas.openxmlformats.org/officeDocument/2006/relationships" xmlns:p="http://schemas.openxmlformats.org/presentationml/2006/main">
+  <p:cSld>
+    <p:spTree>
+      <p:nvGrpSpPr>
+        <p:cNvPr id="1" name=""/>
+        <p:cNvGrpSpPr/>
+        <p:nvPr/>
+      </p:nvGrpSpPr>
+      <p:grpSpPr>
+        <a:xfrm>
+          <a:off x="0" y="0"/>
+          <a:ext cx="0" cy="0"/>
+          <a:chOff x="0" y="0"/>
+          <a:chExt cx="0" cy="0"/>
+        </a:xfrm>
+      </p:grpSpPr>
+      <p:sp>
+        <p:nvSpPr>
+          <p:cNvPr id="4" name="TextBox 3">
+            <a:extLst>
+              <a:ext uri="{FF2B5EF4-FFF2-40B4-BE49-F238E27FC236}">
+                <a16:creationId xmlns:a16="http://schemas.microsoft.com/office/drawing/2014/main" id="{09CDBA09-35B1-0741-8647-31209C5FF939}"/>
+              </a:ext>
+            </a:extLst>
+          </p:cNvPr>
+          <p:cNvSpPr txBox="1"/>
+          <p:nvPr/>
+        </p:nvSpPr>
+        <p:spPr>
+          <a:xfrm>
+            <a:off x="134912" y="213950"/>
+            <a:ext cx="11922176" cy="461665"/>
+          </a:xfrm>
+          <a:prstGeom prst="rect">
+            <a:avLst/>
+          </a:prstGeom>
+          <a:noFill/>
+        </p:spPr>
+        <p:txBody>
+          <a:bodyPr wrap="square" rtlCol="0">
+            <a:spAutoFit/>
+          </a:bodyPr>
+          <a:lstStyle/>
+          <a:p>
+            <a:r>
+              <a:rPr lang="en-US" sz="2400" b="1" dirty="0"/>
+              <a:t>Units: using </a:t>
+            </a:r>
+            <a:r>
+              <a:rPr lang="en-US" sz="2400" b="1" i="1" dirty="0"/>
+              <a:t>pint</a:t>
+            </a:r>
+          </a:p>
+        </p:txBody>
+      </p:sp>
+      <p:sp>
+        <p:nvSpPr>
+          <p:cNvPr id="9" name="TextBox 8">
+            <a:extLst>
+              <a:ext uri="{FF2B5EF4-FFF2-40B4-BE49-F238E27FC236}">
+                <a16:creationId xmlns:a16="http://schemas.microsoft.com/office/drawing/2014/main" id="{50696022-D68D-D244-AB6A-0B18F7AB6172}"/>
+              </a:ext>
+            </a:extLst>
+          </p:cNvPr>
+          <p:cNvSpPr txBox="1"/>
+          <p:nvPr/>
+        </p:nvSpPr>
+        <p:spPr>
+          <a:xfrm>
+            <a:off x="162701" y="1142096"/>
+            <a:ext cx="11894387" cy="461665"/>
+          </a:xfrm>
+          <a:prstGeom prst="rect">
+            <a:avLst/>
+          </a:prstGeom>
+          <a:noFill/>
+        </p:spPr>
+        <p:txBody>
+          <a:bodyPr wrap="square" rtlCol="0">
+            <a:spAutoFit/>
+          </a:bodyPr>
+          <a:lstStyle/>
+          <a:p>
+            <a:r>
+              <a:rPr lang="en-US" sz="2400" i="1" dirty="0"/>
+              <a:t>pint</a:t>
+            </a:r>
+            <a:r>
+              <a:rPr lang="en-US" sz="2400" dirty="0"/>
+              <a:t> does conversions for you too!</a:t>
+            </a:r>
+          </a:p>
+        </p:txBody>
+      </p:sp>
+      <p:pic>
+        <p:nvPicPr>
+          <p:cNvPr id="5" name="Picture 4">
+            <a:extLst>
+              <a:ext uri="{FF2B5EF4-FFF2-40B4-BE49-F238E27FC236}">
+                <a16:creationId xmlns:a16="http://schemas.microsoft.com/office/drawing/2014/main" id="{27BFA82D-8A2F-D701-4F2A-8B1B41388F9A}"/>
+              </a:ext>
+            </a:extLst>
+          </p:cNvPr>
+          <p:cNvPicPr>
+            <a:picLocks noChangeAspect="1"/>
+          </p:cNvPicPr>
+          <p:nvPr/>
+        </p:nvPicPr>
+        <p:blipFill rotWithShape="1">
+          <a:blip r:embed="rId2"/>
+          <a:srcRect b="7505"/>
+          <a:stretch/>
+        </p:blipFill>
+        <p:spPr>
+          <a:xfrm>
+            <a:off x="2514320" y="1971040"/>
+            <a:ext cx="5363490" cy="1549400"/>
+          </a:xfrm>
+          <a:prstGeom prst="rect">
+            <a:avLst/>
+          </a:prstGeom>
+        </p:spPr>
+      </p:pic>
+    </p:spTree>
+    <p:extLst>
+      <p:ext uri="{BB962C8B-B14F-4D97-AF65-F5344CB8AC3E}">
+        <p14:creationId xmlns:p14="http://schemas.microsoft.com/office/powerpoint/2010/main" val="351873559"/>
+      </p:ext>
+    </p:extLst>
+  </p:cSld>
+  <p:clrMapOvr>
+    <a:masterClrMapping/>
+  </p:clrMapOvr>
+</p:sld>
+</file>
+
+<file path=ppt/slides/slide16.xml><?xml version="1.0" encoding="utf-8"?>
+<p:sld xmlns:a="http://schemas.openxmlformats.org/drawingml/2006/main" xmlns:r="http://schemas.openxmlformats.org/officeDocument/2006/relationships" xmlns:p="http://schemas.openxmlformats.org/presentationml/2006/main">
+  <p:cSld>
+    <p:spTree>
+      <p:nvGrpSpPr>
+        <p:cNvPr id="1" name=""/>
+        <p:cNvGrpSpPr/>
+        <p:nvPr/>
+      </p:nvGrpSpPr>
+      <p:grpSpPr>
+        <a:xfrm>
+          <a:off x="0" y="0"/>
+          <a:ext cx="0" cy="0"/>
+          <a:chOff x="0" y="0"/>
+          <a:chExt cx="0" cy="0"/>
+        </a:xfrm>
+      </p:grpSpPr>
+      <p:sp>
+        <p:nvSpPr>
+          <p:cNvPr id="4" name="TextBox 3">
+            <a:extLst>
+              <a:ext uri="{FF2B5EF4-FFF2-40B4-BE49-F238E27FC236}">
+                <a16:creationId xmlns:a16="http://schemas.microsoft.com/office/drawing/2014/main" id="{09CDBA09-35B1-0741-8647-31209C5FF939}"/>
+              </a:ext>
+            </a:extLst>
+          </p:cNvPr>
+          <p:cNvSpPr txBox="1"/>
+          <p:nvPr/>
+        </p:nvSpPr>
+        <p:spPr>
+          <a:xfrm>
+            <a:off x="134912" y="213950"/>
+            <a:ext cx="11922176" cy="461665"/>
+          </a:xfrm>
+          <a:prstGeom prst="rect">
+            <a:avLst/>
+          </a:prstGeom>
+          <a:noFill/>
+        </p:spPr>
+        <p:txBody>
+          <a:bodyPr wrap="square" rtlCol="0">
+            <a:spAutoFit/>
+          </a:bodyPr>
+          <a:lstStyle/>
+          <a:p>
+            <a:r>
+              <a:rPr lang="en-US" sz="2400" b="1" dirty="0"/>
+              <a:t>Units: using </a:t>
+            </a:r>
+            <a:r>
+              <a:rPr lang="en-US" sz="2400" b="1" i="1" dirty="0"/>
+              <a:t>pint</a:t>
+            </a:r>
+          </a:p>
+        </p:txBody>
+      </p:sp>
+      <p:sp>
+        <p:nvSpPr>
+          <p:cNvPr id="9" name="TextBox 8">
+            <a:extLst>
+              <a:ext uri="{FF2B5EF4-FFF2-40B4-BE49-F238E27FC236}">
+                <a16:creationId xmlns:a16="http://schemas.microsoft.com/office/drawing/2014/main" id="{50696022-D68D-D244-AB6A-0B18F7AB6172}"/>
+              </a:ext>
+            </a:extLst>
+          </p:cNvPr>
+          <p:cNvSpPr txBox="1"/>
+          <p:nvPr/>
+        </p:nvSpPr>
+        <p:spPr>
+          <a:xfrm>
+            <a:off x="162701" y="1142096"/>
+            <a:ext cx="11894387" cy="461665"/>
+          </a:xfrm>
+          <a:prstGeom prst="rect">
+            <a:avLst/>
+          </a:prstGeom>
+          <a:noFill/>
+        </p:spPr>
+        <p:txBody>
+          <a:bodyPr wrap="square" rtlCol="0">
+            <a:spAutoFit/>
+          </a:bodyPr>
+          <a:lstStyle/>
+          <a:p>
+            <a:r>
+              <a:rPr lang="en-US" sz="2400" dirty="0"/>
+              <a:t>Pint does conversions for you too!</a:t>
+            </a:r>
+          </a:p>
+        </p:txBody>
+      </p:sp>
+      <p:pic>
+        <p:nvPicPr>
+          <p:cNvPr id="2" name="Picture 1">
+            <a:extLst>
+              <a:ext uri="{FF2B5EF4-FFF2-40B4-BE49-F238E27FC236}">
+                <a16:creationId xmlns:a16="http://schemas.microsoft.com/office/drawing/2014/main" id="{C749ABF7-A124-B06F-1368-8104AE667BA0}"/>
+              </a:ext>
+            </a:extLst>
+          </p:cNvPr>
+          <p:cNvPicPr>
+            <a:picLocks noChangeAspect="1"/>
+          </p:cNvPicPr>
+          <p:nvPr/>
+        </p:nvPicPr>
+        <p:blipFill rotWithShape="1">
+          <a:blip r:embed="rId2"/>
+          <a:srcRect t="4763"/>
+          <a:stretch/>
+        </p:blipFill>
+        <p:spPr>
+          <a:xfrm>
+            <a:off x="1832609" y="4320540"/>
+            <a:ext cx="7276287" cy="1543050"/>
+          </a:xfrm>
+          <a:prstGeom prst="rect">
+            <a:avLst/>
+          </a:prstGeom>
+        </p:spPr>
+      </p:pic>
+      <p:pic>
+        <p:nvPicPr>
+          <p:cNvPr id="3" name="Picture 2">
+            <a:extLst>
+              <a:ext uri="{FF2B5EF4-FFF2-40B4-BE49-F238E27FC236}">
+                <a16:creationId xmlns:a16="http://schemas.microsoft.com/office/drawing/2014/main" id="{4F15999E-704C-4362-90C2-68A577FF0AAB}"/>
+              </a:ext>
+            </a:extLst>
+          </p:cNvPr>
+          <p:cNvPicPr>
+            <a:picLocks noChangeAspect="1"/>
+          </p:cNvPicPr>
+          <p:nvPr/>
+        </p:nvPicPr>
+        <p:blipFill rotWithShape="1">
+          <a:blip r:embed="rId3"/>
+          <a:srcRect b="7505"/>
+          <a:stretch/>
+        </p:blipFill>
+        <p:spPr>
+          <a:xfrm>
+            <a:off x="2514320" y="1971040"/>
+            <a:ext cx="5363490" cy="1549400"/>
+          </a:xfrm>
+          <a:prstGeom prst="rect">
+            <a:avLst/>
+          </a:prstGeom>
+        </p:spPr>
+      </p:pic>
+    </p:spTree>
+    <p:extLst>
+      <p:ext uri="{BB962C8B-B14F-4D97-AF65-F5344CB8AC3E}">
+        <p14:creationId xmlns:p14="http://schemas.microsoft.com/office/powerpoint/2010/main" val="4104899467"/>
+      </p:ext>
+    </p:extLst>
+  </p:cSld>
+  <p:clrMapOvr>
+    <a:masterClrMapping/>
+  </p:clrMapOvr>
+</p:sld>
+</file>
+
+<file path=ppt/slides/slide17.xml><?xml version="1.0" encoding="utf-8"?>
 <p:sld xmlns:a="http://schemas.openxmlformats.org/drawingml/2006/main" xmlns:r="http://schemas.openxmlformats.org/officeDocument/2006/relationships" xmlns:p="http://schemas.openxmlformats.org/presentationml/2006/main">
   <p:cSld>
     <p:spTree>
@@ -6619,8 +7876,8 @@
         </p:nvSpPr>
         <p:spPr>
           <a:xfrm>
-            <a:off x="6096000" y="965712"/>
-            <a:ext cx="6057229" cy="5262979"/>
+            <a:off x="5388864" y="132603"/>
+            <a:ext cx="6764365" cy="6001643"/>
           </a:xfrm>
           <a:prstGeom prst="rect">
             <a:avLst/>
@@ -6733,6 +7990,44 @@
             <a:r>
               <a:rPr lang="en-US" sz="2400" i="1" dirty="0"/>
               <a:t>/V</a:t>
+            </a:r>
+          </a:p>
+          <a:p>
+            <a:pPr algn="ctr"/>
+            <a:endParaRPr lang="en-US" sz="2400" i="1" dirty="0"/>
+          </a:p>
+          <a:p>
+            <a:r>
+              <a:rPr lang="en-US" sz="2400" dirty="0"/>
+              <a:t>Here we’re also showing a </a:t>
+            </a:r>
+            <a:r>
+              <a:rPr lang="en-US" sz="2400" b="1" dirty="0"/>
+              <a:t>constant-temperature slice </a:t>
+            </a:r>
+            <a:r>
+              <a:rPr lang="en-US" sz="2400" dirty="0"/>
+              <a:t>through </a:t>
+            </a:r>
+            <a:r>
+              <a:rPr lang="en-US" sz="2400" i="1" dirty="0"/>
+              <a:t>P(T,V)</a:t>
+            </a:r>
+            <a:r>
+              <a:rPr lang="en-US" sz="2400" dirty="0"/>
+              <a:t>, also called an </a:t>
+            </a:r>
+            <a:r>
+              <a:rPr lang="en-US" sz="2400" b="1" dirty="0">
+                <a:solidFill>
+                  <a:srgbClr val="FF0000"/>
+                </a:solidFill>
+              </a:rPr>
+              <a:t>isotherm</a:t>
+            </a:r>
+            <a:r>
+              <a:rPr lang="en-US" sz="2400" dirty="0"/>
+              <a:t> of P.</a:t>
             </a:r>
           </a:p>
         </p:txBody>
@@ -6772,36 +8067,230 @@
           </a:p>
         </p:txBody>
       </p:sp>
-      <p:pic>
-        <p:nvPicPr>
-          <p:cNvPr id="19" name="Picture 18">
-            <a:extLst>
-              <a:ext uri="{FF2B5EF4-FFF2-40B4-BE49-F238E27FC236}">
-                <a16:creationId xmlns:a16="http://schemas.microsoft.com/office/drawing/2014/main" id="{A2334EC2-B195-804D-89E6-FA40FB35C3A1}"/>
-              </a:ext>
-            </a:extLst>
-          </p:cNvPr>
-          <p:cNvPicPr>
-            <a:picLocks noChangeAspect="1"/>
-          </p:cNvPicPr>
+      <p:grpSp>
+        <p:nvGrpSpPr>
+          <p:cNvPr id="3" name="Group 2">
+            <a:extLst>
+              <a:ext uri="{FF2B5EF4-FFF2-40B4-BE49-F238E27FC236}">
+                <a16:creationId xmlns:a16="http://schemas.microsoft.com/office/drawing/2014/main" id="{4A9557B6-6205-6BEA-B548-05A08A07DF5E}"/>
+              </a:ext>
+            </a:extLst>
+          </p:cNvPr>
+          <p:cNvGrpSpPr/>
           <p:nvPr/>
-        </p:nvPicPr>
-        <p:blipFill>
-          <a:blip r:embed="rId2"/>
-          <a:stretch>
-            <a:fillRect/>
-          </a:stretch>
-        </p:blipFill>
-        <p:spPr>
+        </p:nvGrpSpPr>
+        <p:grpSpPr>
           <a:xfrm>
             <a:off x="170208" y="1335045"/>
             <a:ext cx="5737126" cy="4524315"/>
+            <a:chOff x="170208" y="1335045"/>
+            <a:chExt cx="5737126" cy="4524315"/>
           </a:xfrm>
-          <a:prstGeom prst="rect">
-            <a:avLst/>
-          </a:prstGeom>
-        </p:spPr>
-      </p:pic>
+        </p:grpSpPr>
+        <p:pic>
+          <p:nvPicPr>
+            <p:cNvPr id="19" name="Picture 18">
+              <a:extLst>
+                <a:ext uri="{FF2B5EF4-FFF2-40B4-BE49-F238E27FC236}">
+                  <a16:creationId xmlns:a16="http://schemas.microsoft.com/office/drawing/2014/main" id="{A2334EC2-B195-804D-89E6-FA40FB35C3A1}"/>
+                </a:ext>
+              </a:extLst>
+            </p:cNvPr>
+            <p:cNvPicPr>
+              <a:picLocks noChangeAspect="1"/>
+            </p:cNvPicPr>
+            <p:nvPr/>
+          </p:nvPicPr>
+          <p:blipFill>
+            <a:blip r:embed="rId2"/>
+            <a:stretch>
+              <a:fillRect/>
+            </a:stretch>
+          </p:blipFill>
+          <p:spPr>
+            <a:xfrm>
+              <a:off x="170208" y="1335045"/>
+              <a:ext cx="5737126" cy="4524315"/>
+            </a:xfrm>
+            <a:prstGeom prst="rect">
+              <a:avLst/>
+            </a:prstGeom>
+          </p:spPr>
+        </p:pic>
+        <p:sp>
+          <p:nvSpPr>
+            <p:cNvPr id="2" name="Freeform 1">
+              <a:extLst>
+                <a:ext uri="{FF2B5EF4-FFF2-40B4-BE49-F238E27FC236}">
+                  <a16:creationId xmlns:a16="http://schemas.microsoft.com/office/drawing/2014/main" id="{BC7576D7-4DCE-8D29-3C33-8DF5D3C9C61B}"/>
+                </a:ext>
+              </a:extLst>
+            </p:cNvPr>
+            <p:cNvSpPr/>
+            <p:nvPr/>
+          </p:nvSpPr>
+          <p:spPr>
+            <a:xfrm>
+              <a:off x="1828801" y="2579427"/>
+              <a:ext cx="1842448" cy="2210935"/>
+            </a:xfrm>
+            <a:custGeom>
+              <a:avLst/>
+              <a:gdLst>
+                <a:gd name="connsiteX0" fmla="*/ 0 w 1842448"/>
+                <a:gd name="connsiteY0" fmla="*/ 0 h 2470245"/>
+                <a:gd name="connsiteX1" fmla="*/ 13648 w 1842448"/>
+                <a:gd name="connsiteY1" fmla="*/ 286603 h 2470245"/>
+                <a:gd name="connsiteX2" fmla="*/ 40943 w 1842448"/>
+                <a:gd name="connsiteY2" fmla="*/ 559558 h 2470245"/>
+                <a:gd name="connsiteX3" fmla="*/ 68239 w 1842448"/>
+                <a:gd name="connsiteY3" fmla="*/ 900752 h 2470245"/>
+                <a:gd name="connsiteX4" fmla="*/ 109182 w 1842448"/>
+                <a:gd name="connsiteY4" fmla="*/ 1201003 h 2470245"/>
+                <a:gd name="connsiteX5" fmla="*/ 163773 w 1842448"/>
+                <a:gd name="connsiteY5" fmla="*/ 1473958 h 2470245"/>
+                <a:gd name="connsiteX6" fmla="*/ 286603 w 1842448"/>
+                <a:gd name="connsiteY6" fmla="*/ 1746913 h 2470245"/>
+                <a:gd name="connsiteX7" fmla="*/ 573206 w 1842448"/>
+                <a:gd name="connsiteY7" fmla="*/ 1965277 h 2470245"/>
+                <a:gd name="connsiteX8" fmla="*/ 928048 w 1842448"/>
+                <a:gd name="connsiteY8" fmla="*/ 2115403 h 2470245"/>
+                <a:gd name="connsiteX9" fmla="*/ 1269242 w 1842448"/>
+                <a:gd name="connsiteY9" fmla="*/ 2251880 h 2470245"/>
+                <a:gd name="connsiteX10" fmla="*/ 1514902 w 1842448"/>
+                <a:gd name="connsiteY10" fmla="*/ 2347415 h 2470245"/>
+                <a:gd name="connsiteX11" fmla="*/ 1842448 w 1842448"/>
+                <a:gd name="connsiteY11" fmla="*/ 2470245 h 2470245"/>
+              </a:gdLst>
+              <a:ahLst/>
+              <a:cxnLst>
+                <a:cxn ang="0">
+                  <a:pos x="connsiteX0" y="connsiteY0"/>
+                </a:cxn>
+                <a:cxn ang="0">
+                  <a:pos x="connsiteX1" y="connsiteY1"/>
+                </a:cxn>
+                <a:cxn ang="0">
+                  <a:pos x="connsiteX2" y="connsiteY2"/>
+                </a:cxn>
+                <a:cxn ang="0">
+                  <a:pos x="connsiteX3" y="connsiteY3"/>
+                </a:cxn>
+                <a:cxn ang="0">
+                  <a:pos x="connsiteX4" y="connsiteY4"/>
+                </a:cxn>
+                <a:cxn ang="0">
+                  <a:pos x="connsiteX5" y="connsiteY5"/>
+                </a:cxn>
+                <a:cxn ang="0">
+                  <a:pos x="connsiteX6" y="connsiteY6"/>
+                </a:cxn>
+                <a:cxn ang="0">
+                  <a:pos x="connsiteX7" y="connsiteY7"/>
+                </a:cxn>
+                <a:cxn ang="0">
+                  <a:pos x="connsiteX8" y="connsiteY8"/>
+                </a:cxn>
+                <a:cxn ang="0">
+                  <a:pos x="connsiteX9" y="connsiteY9"/>
+                </a:cxn>
+                <a:cxn ang="0">
+                  <a:pos x="connsiteX10" y="connsiteY10"/>
+                </a:cxn>
+                <a:cxn ang="0">
+                  <a:pos x="connsiteX11" y="connsiteY11"/>
+                </a:cxn>
+              </a:cxnLst>
+              <a:rect l="l" t="t" r="r" b="b"/>
+              <a:pathLst>
+                <a:path w="1842448" h="2470245">
+                  <a:moveTo>
+                    <a:pt x="0" y="0"/>
+                  </a:moveTo>
+                  <a:cubicBezTo>
+                    <a:pt x="3412" y="96671"/>
+                    <a:pt x="6824" y="193343"/>
+                    <a:pt x="13648" y="286603"/>
+                  </a:cubicBezTo>
+                  <a:cubicBezTo>
+                    <a:pt x="20472" y="379863"/>
+                    <a:pt x="31845" y="457200"/>
+                    <a:pt x="40943" y="559558"/>
+                  </a:cubicBezTo>
+                  <a:cubicBezTo>
+                    <a:pt x="50042" y="661916"/>
+                    <a:pt x="56866" y="793845"/>
+                    <a:pt x="68239" y="900752"/>
+                  </a:cubicBezTo>
+                  <a:cubicBezTo>
+                    <a:pt x="79612" y="1007659"/>
+                    <a:pt x="93260" y="1105469"/>
+                    <a:pt x="109182" y="1201003"/>
+                  </a:cubicBezTo>
+                  <a:cubicBezTo>
+                    <a:pt x="125104" y="1296537"/>
+                    <a:pt x="134203" y="1382973"/>
+                    <a:pt x="163773" y="1473958"/>
+                  </a:cubicBezTo>
+                  <a:cubicBezTo>
+                    <a:pt x="193343" y="1564943"/>
+                    <a:pt x="218364" y="1665027"/>
+                    <a:pt x="286603" y="1746913"/>
+                  </a:cubicBezTo>
+                  <a:cubicBezTo>
+                    <a:pt x="354842" y="1828799"/>
+                    <a:pt x="466299" y="1903862"/>
+                    <a:pt x="573206" y="1965277"/>
+                  </a:cubicBezTo>
+                  <a:cubicBezTo>
+                    <a:pt x="680114" y="2026692"/>
+                    <a:pt x="812042" y="2067636"/>
+                    <a:pt x="928048" y="2115403"/>
+                  </a:cubicBezTo>
+                  <a:cubicBezTo>
+                    <a:pt x="1044054" y="2163170"/>
+                    <a:pt x="1269242" y="2251880"/>
+                    <a:pt x="1269242" y="2251880"/>
+                  </a:cubicBezTo>
+                  <a:lnTo>
+                    <a:pt x="1514902" y="2347415"/>
+                  </a:lnTo>
+                  <a:lnTo>
+                    <a:pt x="1842448" y="2470245"/>
+                  </a:lnTo>
+                </a:path>
+              </a:pathLst>
+            </a:custGeom>
+            <a:ln w="127000">
+              <a:solidFill>
+                <a:srgbClr val="FF0000"/>
+              </a:solidFill>
+            </a:ln>
+          </p:spPr>
+          <p:style>
+            <a:lnRef idx="3">
+              <a:schemeClr val="dk1"/>
+            </a:lnRef>
+            <a:fillRef idx="0">
+              <a:schemeClr val="dk1"/>
+            </a:fillRef>
+            <a:effectRef idx="2">
+              <a:schemeClr val="dk1"/>
+            </a:effectRef>
+            <a:fontRef idx="minor">
+              <a:schemeClr val="tx1"/>
+            </a:fontRef>
+          </p:style>
+          <p:txBody>
+            <a:bodyPr rtlCol="0" anchor="ctr"/>
+            <a:lstStyle/>
+            <a:p>
+              <a:pPr algn="ctr"/>
+              <a:endParaRPr lang="en-US"/>
+            </a:p>
+          </p:txBody>
+        </p:sp>
+      </p:grpSp>
     </p:spTree>
     <p:extLst>
       <p:ext uri="{BB962C8B-B14F-4D97-AF65-F5344CB8AC3E}">
@@ -6920,7 +8409,11 @@
             </a:pPr>
             <a:r>
               <a:rPr lang="en-US" sz="2400" dirty="0"/>
-              <a:t>Entering numbers in scientific notation: the E-format</a:t>
+              <a:t>Entering numbers in scientific notation: the </a:t>
+            </a:r>
+            <a:r>
+              <a:rPr lang="en-US" sz="2400" b="1" i="1" dirty="0"/>
+              <a:t>E-format</a:t>
             </a:r>
           </a:p>
           <a:p>
@@ -6933,21 +8426,10 @@
               <a:t>Units: using pint’s </a:t>
             </a:r>
             <a:r>
-              <a:rPr lang="en-US" sz="2400" dirty="0" err="1"/>
-              <a:t>UnitRegistry</a:t>
-            </a:r>
-            <a:r>
-              <a:rPr lang="en-US" sz="2400" dirty="0"/>
-              <a:t> (</a:t>
-            </a:r>
-            <a:r>
-              <a:rPr lang="en-US" sz="2400" dirty="0" err="1"/>
-              <a:t>ureg</a:t>
-            </a:r>
-            <a:r>
-              <a:rPr lang="en-US" sz="2400" dirty="0"/>
-              <a:t>)</a:t>
-            </a:r>
+              <a:rPr lang="en-US" sz="2400" b="1" i="1" dirty="0" err="1"/>
+              <a:t>AssignQuantity</a:t>
+            </a:r>
+            <a:endParaRPr lang="en-US" sz="2400" b="1" i="1" dirty="0"/>
           </a:p>
           <a:p>
             <a:pPr marL="342900" indent="-342900">
@@ -7090,7 +8572,7 @@
           <p:cNvPr id="4" name="TextBox 3">
             <a:extLst>
               <a:ext uri="{FF2B5EF4-FFF2-40B4-BE49-F238E27FC236}">
-                <a16:creationId xmlns:a16="http://schemas.microsoft.com/office/drawing/2014/main" id="{09CDBA09-35B1-0741-8647-31209C5FF939}"/>
+                <a16:creationId xmlns:a16="http://schemas.microsoft.com/office/drawing/2014/main" id="{98B4C3CB-FCB3-2241-AE48-93D0EF93F528}"/>
               </a:ext>
             </a:extLst>
           </p:cNvPr>
@@ -7099,8 +8581,8 @@
         </p:nvSpPr>
         <p:spPr>
           <a:xfrm>
-            <a:off x="134912" y="213950"/>
-            <a:ext cx="11922176" cy="461665"/>
+            <a:off x="-36876" y="-12764"/>
+            <a:ext cx="12228876" cy="461665"/>
           </a:xfrm>
           <a:prstGeom prst="rect">
             <a:avLst/>
@@ -7115,113 +8597,1702 @@
           <a:p>
             <a:r>
               <a:rPr lang="en-US" sz="2400" b="1" dirty="0"/>
-              <a:t>The van der Waals Gas Law</a:t>
+              <a:t>Some reasons we would expect a real gas to have higher or lower pressure than an ideal gas  </a:t>
             </a:r>
           </a:p>
         </p:txBody>
       </p:sp>
-      <p:pic>
-        <p:nvPicPr>
-          <p:cNvPr id="3" name="Picture 2">
-            <a:extLst>
-              <a:ext uri="{FF2B5EF4-FFF2-40B4-BE49-F238E27FC236}">
-                <a16:creationId xmlns:a16="http://schemas.microsoft.com/office/drawing/2014/main" id="{27DA3936-3620-5144-A558-F6A309898E3E}"/>
-              </a:ext>
-            </a:extLst>
-          </p:cNvPr>
-          <p:cNvPicPr>
-            <a:picLocks noChangeAspect="1"/>
-          </p:cNvPicPr>
+      <p:grpSp>
+        <p:nvGrpSpPr>
+          <p:cNvPr id="42" name="Group 41">
+            <a:extLst>
+              <a:ext uri="{FF2B5EF4-FFF2-40B4-BE49-F238E27FC236}">
+                <a16:creationId xmlns:a16="http://schemas.microsoft.com/office/drawing/2014/main" id="{C9409232-7B78-3249-8DDF-03BA4016C05A}"/>
+              </a:ext>
+            </a:extLst>
+          </p:cNvPr>
+          <p:cNvGrpSpPr/>
           <p:nvPr/>
-        </p:nvPicPr>
-        <p:blipFill>
-          <a:blip r:embed="rId2"/>
-          <a:stretch>
-            <a:fillRect/>
-          </a:stretch>
-        </p:blipFill>
+        </p:nvGrpSpPr>
+        <p:grpSpPr>
+          <a:xfrm>
+            <a:off x="3279408" y="5430995"/>
+            <a:ext cx="5517852" cy="830997"/>
+            <a:chOff x="549119" y="5031167"/>
+            <a:chExt cx="5517852" cy="830997"/>
+          </a:xfrm>
+        </p:grpSpPr>
+        <p:cxnSp>
+          <p:nvCxnSpPr>
+            <p:cNvPr id="33" name="Straight Arrow Connector 32">
+              <a:extLst>
+                <a:ext uri="{FF2B5EF4-FFF2-40B4-BE49-F238E27FC236}">
+                  <a16:creationId xmlns:a16="http://schemas.microsoft.com/office/drawing/2014/main" id="{15FB8220-1335-4F44-AE71-312BD98232F8}"/>
+                </a:ext>
+              </a:extLst>
+            </p:cNvPr>
+            <p:cNvCxnSpPr>
+              <a:cxnSpLocks/>
+            </p:cNvCxnSpPr>
+            <p:nvPr/>
+          </p:nvCxnSpPr>
+          <p:spPr>
+            <a:xfrm>
+              <a:off x="549119" y="5293136"/>
+              <a:ext cx="599982" cy="0"/>
+            </a:xfrm>
+            <a:prstGeom prst="straightConnector1">
+              <a:avLst/>
+            </a:prstGeom>
+            <a:ln w="38100">
+              <a:prstDash val="sysDot"/>
+              <a:headEnd type="triangle"/>
+              <a:tailEnd type="triangle"/>
+            </a:ln>
+          </p:spPr>
+          <p:style>
+            <a:lnRef idx="1">
+              <a:schemeClr val="accent1"/>
+            </a:lnRef>
+            <a:fillRef idx="0">
+              <a:schemeClr val="accent1"/>
+            </a:fillRef>
+            <a:effectRef idx="0">
+              <a:schemeClr val="accent1"/>
+            </a:effectRef>
+            <a:fontRef idx="minor">
+              <a:schemeClr val="tx1"/>
+            </a:fontRef>
+          </p:style>
+        </p:cxnSp>
+        <mc:AlternateContent xmlns:mc="http://schemas.openxmlformats.org/markup-compatibility/2006" xmlns:a14="http://schemas.microsoft.com/office/drawing/2010/main">
+          <mc:Choice Requires="a14">
+            <p:sp>
+              <p:nvSpPr>
+                <p:cNvPr id="34" name="TextBox 33">
+                  <a:extLst>
+                    <a:ext uri="{FF2B5EF4-FFF2-40B4-BE49-F238E27FC236}">
+                      <a16:creationId xmlns:a16="http://schemas.microsoft.com/office/drawing/2014/main" id="{7E05F458-2D30-464B-8CA7-2127FC66D5A7}"/>
+                    </a:ext>
+                  </a:extLst>
+                </p:cNvPr>
+                <p:cNvSpPr txBox="1"/>
+                <p:nvPr/>
+              </p:nvSpPr>
+              <p:spPr>
+                <a:xfrm>
+                  <a:off x="1322358" y="5031167"/>
+                  <a:ext cx="4744613" cy="830997"/>
+                </a:xfrm>
+                <a:prstGeom prst="rect">
+                  <a:avLst/>
+                </a:prstGeom>
+                <a:noFill/>
+              </p:spPr>
+              <p:txBody>
+                <a:bodyPr wrap="square" rtlCol="0">
+                  <a:spAutoFit/>
+                </a:bodyPr>
+                <a:lstStyle/>
+                <a:p>
+                  <a:r>
+                    <a:rPr lang="en-US" sz="2400" b="1" dirty="0">
+                      <a:solidFill>
+                        <a:schemeClr val="accent1"/>
+                      </a:solidFill>
+                    </a:rPr>
+                    <a:t>Attractions</a:t>
+                  </a:r>
+                  <a:r>
+                    <a:rPr lang="en-US" sz="2400" dirty="0"/>
+                    <a:t> =&gt; </a:t>
+                  </a:r>
+                  <a14:m>
+                    <m:oMath xmlns:m="http://schemas.openxmlformats.org/officeDocument/2006/math">
+                      <m:sSub>
+                        <m:sSubPr>
+                          <m:ctrlPr>
+                            <a:rPr lang="en-US" sz="2400" i="1" smtClean="0">
+                              <a:latin typeface="Cambria Math" panose="02040503050406030204" pitchFamily="18" charset="0"/>
+                            </a:rPr>
+                          </m:ctrlPr>
+                        </m:sSubPr>
+                        <m:e>
+                          <m:r>
+                            <a:rPr lang="en-US" sz="2400" b="0" i="1" smtClean="0">
+                              <a:latin typeface="Cambria Math" panose="02040503050406030204" pitchFamily="18" charset="0"/>
+                            </a:rPr>
+                            <m:t>𝑃</m:t>
+                          </m:r>
+                        </m:e>
+                        <m:sub>
+                          <m:r>
+                            <a:rPr lang="en-US" sz="2400" b="0" i="1" smtClean="0">
+                              <a:latin typeface="Cambria Math" panose="02040503050406030204" pitchFamily="18" charset="0"/>
+                            </a:rPr>
+                            <m:t>𝑟𝑒𝑎𝑙</m:t>
+                          </m:r>
+                        </m:sub>
+                      </m:sSub>
+                      <m:r>
+                        <a:rPr lang="en-US" sz="2400" b="0" i="1" smtClean="0">
+                          <a:latin typeface="Cambria Math" panose="02040503050406030204" pitchFamily="18" charset="0"/>
+                        </a:rPr>
+                        <m:t>&lt;</m:t>
+                      </m:r>
+                      <m:sSub>
+                        <m:sSubPr>
+                          <m:ctrlPr>
+                            <a:rPr lang="en-US" sz="2400" i="1">
+                              <a:latin typeface="Cambria Math" panose="02040503050406030204" pitchFamily="18" charset="0"/>
+                            </a:rPr>
+                          </m:ctrlPr>
+                        </m:sSubPr>
+                        <m:e>
+                          <m:r>
+                            <a:rPr lang="en-US" sz="2400" i="1">
+                              <a:latin typeface="Cambria Math" panose="02040503050406030204" pitchFamily="18" charset="0"/>
+                            </a:rPr>
+                            <m:t>𝑃</m:t>
+                          </m:r>
+                        </m:e>
+                        <m:sub>
+                          <m:r>
+                            <a:rPr lang="en-US" sz="2400" b="0" i="1" smtClean="0">
+                              <a:latin typeface="Cambria Math" panose="02040503050406030204" pitchFamily="18" charset="0"/>
+                            </a:rPr>
+                            <m:t>𝑖𝑑𝑒𝑎𝑙</m:t>
+                          </m:r>
+                        </m:sub>
+                      </m:sSub>
+                    </m:oMath>
+                  </a14:m>
+                  <a:endParaRPr lang="en-US" sz="2400" dirty="0"/>
+                </a:p>
+                <a:p>
+                  <a:r>
+                    <a:rPr lang="en-US" sz="2400" b="1" dirty="0">
+                      <a:solidFill>
+                        <a:srgbClr val="FF0000"/>
+                      </a:solidFill>
+                    </a:rPr>
+                    <a:t>Repulsions</a:t>
+                  </a:r>
+                  <a:r>
+                    <a:rPr lang="en-US" sz="2400" dirty="0"/>
+                    <a:t> =&gt; </a:t>
+                  </a:r>
+                  <a14:m>
+                    <m:oMath xmlns:m="http://schemas.openxmlformats.org/officeDocument/2006/math">
+                      <m:sSub>
+                        <m:sSubPr>
+                          <m:ctrlPr>
+                            <a:rPr lang="en-US" sz="2400" i="1">
+                              <a:latin typeface="Cambria Math" panose="02040503050406030204" pitchFamily="18" charset="0"/>
+                            </a:rPr>
+                          </m:ctrlPr>
+                        </m:sSubPr>
+                        <m:e>
+                          <m:r>
+                            <a:rPr lang="en-US" sz="2400" i="1">
+                              <a:latin typeface="Cambria Math" panose="02040503050406030204" pitchFamily="18" charset="0"/>
+                            </a:rPr>
+                            <m:t>𝑃</m:t>
+                          </m:r>
+                        </m:e>
+                        <m:sub>
+                          <m:r>
+                            <a:rPr lang="en-US" sz="2400" b="0" i="1" smtClean="0">
+                              <a:latin typeface="Cambria Math" panose="02040503050406030204" pitchFamily="18" charset="0"/>
+                            </a:rPr>
+                            <m:t>𝑟𝑒𝑎𝑙</m:t>
+                          </m:r>
+                        </m:sub>
+                      </m:sSub>
+                      <m:r>
+                        <a:rPr lang="en-US" sz="2400" b="0" i="1" smtClean="0">
+                          <a:latin typeface="Cambria Math" panose="02040503050406030204" pitchFamily="18" charset="0"/>
+                        </a:rPr>
+                        <m:t>&gt;</m:t>
+                      </m:r>
+                      <m:sSub>
+                        <m:sSubPr>
+                          <m:ctrlPr>
+                            <a:rPr lang="en-US" sz="2400" i="1">
+                              <a:latin typeface="Cambria Math" panose="02040503050406030204" pitchFamily="18" charset="0"/>
+                            </a:rPr>
+                          </m:ctrlPr>
+                        </m:sSubPr>
+                        <m:e>
+                          <m:r>
+                            <a:rPr lang="en-US" sz="2400" i="1">
+                              <a:latin typeface="Cambria Math" panose="02040503050406030204" pitchFamily="18" charset="0"/>
+                            </a:rPr>
+                            <m:t>𝑃</m:t>
+                          </m:r>
+                        </m:e>
+                        <m:sub>
+                          <m:r>
+                            <a:rPr lang="en-US" sz="2400" i="1">
+                              <a:latin typeface="Cambria Math" panose="02040503050406030204" pitchFamily="18" charset="0"/>
+                            </a:rPr>
+                            <m:t>𝑖𝑑𝑒𝑎𝑙</m:t>
+                          </m:r>
+                        </m:sub>
+                      </m:sSub>
+                    </m:oMath>
+                  </a14:m>
+                  <a:endParaRPr lang="en-US" sz="2400" dirty="0"/>
+                </a:p>
+              </p:txBody>
+            </p:sp>
+          </mc:Choice>
+          <mc:Fallback xmlns="">
+            <p:sp>
+              <p:nvSpPr>
+                <p:cNvPr id="34" name="TextBox 33">
+                  <a:extLst>
+                    <a:ext uri="{FF2B5EF4-FFF2-40B4-BE49-F238E27FC236}">
+                      <a16:creationId xmlns:a16="http://schemas.microsoft.com/office/drawing/2014/main" id="{7E05F458-2D30-464B-8CA7-2127FC66D5A7}"/>
+                    </a:ext>
+                  </a:extLst>
+                </p:cNvPr>
+                <p:cNvSpPr txBox="1">
+                  <a:spLocks noRot="1" noChangeAspect="1" noMove="1" noResize="1" noEditPoints="1" noAdjustHandles="1" noChangeArrowheads="1" noChangeShapeType="1" noTextEdit="1"/>
+                </p:cNvSpPr>
+                <p:nvPr/>
+              </p:nvSpPr>
+              <p:spPr>
+                <a:xfrm>
+                  <a:off x="1322358" y="5031167"/>
+                  <a:ext cx="4744613" cy="830997"/>
+                </a:xfrm>
+                <a:prstGeom prst="rect">
+                  <a:avLst/>
+                </a:prstGeom>
+                <a:blipFill>
+                  <a:blip r:embed="rId2"/>
+                  <a:stretch>
+                    <a:fillRect l="-2139" t="-4545" b="-16667"/>
+                  </a:stretch>
+                </a:blipFill>
+              </p:spPr>
+              <p:txBody>
+                <a:bodyPr/>
+                <a:lstStyle/>
+                <a:p>
+                  <a:r>
+                    <a:rPr lang="en-US">
+                      <a:noFill/>
+                    </a:rPr>
+                    <a:t> </a:t>
+                  </a:r>
+                </a:p>
+              </p:txBody>
+            </p:sp>
+          </mc:Fallback>
+        </mc:AlternateContent>
+      </p:grpSp>
+      <p:grpSp>
+        <p:nvGrpSpPr>
+          <p:cNvPr id="41" name="Group 40">
+            <a:extLst>
+              <a:ext uri="{FF2B5EF4-FFF2-40B4-BE49-F238E27FC236}">
+                <a16:creationId xmlns:a16="http://schemas.microsoft.com/office/drawing/2014/main" id="{F5E6BB03-8258-D944-B2E5-749F4E2C7B85}"/>
+              </a:ext>
+            </a:extLst>
+          </p:cNvPr>
+          <p:cNvGrpSpPr/>
+          <p:nvPr/>
+        </p:nvGrpSpPr>
+        <p:grpSpPr>
+          <a:xfrm>
+            <a:off x="3818564" y="950116"/>
+            <a:ext cx="4902525" cy="4296254"/>
+            <a:chOff x="801045" y="1575076"/>
+            <a:chExt cx="3718056" cy="3553750"/>
+          </a:xfrm>
+        </p:grpSpPr>
+        <p:grpSp>
+          <p:nvGrpSpPr>
+            <p:cNvPr id="3" name="Group 2">
+              <a:extLst>
+                <a:ext uri="{FF2B5EF4-FFF2-40B4-BE49-F238E27FC236}">
+                  <a16:creationId xmlns:a16="http://schemas.microsoft.com/office/drawing/2014/main" id="{096A8A09-647F-8D4C-B1FA-4D57EE210D6F}"/>
+                </a:ext>
+              </a:extLst>
+            </p:cNvPr>
+            <p:cNvGrpSpPr/>
+            <p:nvPr/>
+          </p:nvGrpSpPr>
+          <p:grpSpPr>
+            <a:xfrm>
+              <a:off x="801045" y="1575076"/>
+              <a:ext cx="3718056" cy="3553750"/>
+              <a:chOff x="5651292" y="1334126"/>
+              <a:chExt cx="6041036" cy="4961744"/>
+            </a:xfrm>
+          </p:grpSpPr>
+          <p:sp>
+            <p:nvSpPr>
+              <p:cNvPr id="5" name="Frame 4">
+                <a:extLst>
+                  <a:ext uri="{FF2B5EF4-FFF2-40B4-BE49-F238E27FC236}">
+                    <a16:creationId xmlns:a16="http://schemas.microsoft.com/office/drawing/2014/main" id="{FF9F6CD7-01F7-FA4F-8548-AD403B113585}"/>
+                  </a:ext>
+                </a:extLst>
+              </p:cNvPr>
+              <p:cNvSpPr/>
+              <p:nvPr/>
+            </p:nvSpPr>
+            <p:spPr>
+              <a:xfrm>
+                <a:off x="5651292" y="1334126"/>
+                <a:ext cx="6041036" cy="4961744"/>
+              </a:xfrm>
+              <a:prstGeom prst="frame">
+                <a:avLst>
+                  <a:gd name="adj1" fmla="val 1926"/>
+                </a:avLst>
+              </a:prstGeom>
+            </p:spPr>
+            <p:style>
+              <a:lnRef idx="2">
+                <a:schemeClr val="accent1">
+                  <a:shade val="50000"/>
+                </a:schemeClr>
+              </a:lnRef>
+              <a:fillRef idx="1">
+                <a:schemeClr val="accent1"/>
+              </a:fillRef>
+              <a:effectRef idx="0">
+                <a:schemeClr val="accent1"/>
+              </a:effectRef>
+              <a:fontRef idx="minor">
+                <a:schemeClr val="lt1"/>
+              </a:fontRef>
+            </p:style>
+            <p:txBody>
+              <a:bodyPr rtlCol="0" anchor="ctr"/>
+              <a:lstStyle/>
+              <a:p>
+                <a:pPr algn="ctr"/>
+                <a:endParaRPr lang="en-US">
+                  <a:solidFill>
+                    <a:schemeClr val="tx1"/>
+                  </a:solidFill>
+                </a:endParaRPr>
+              </a:p>
+            </p:txBody>
+          </p:sp>
+          <p:grpSp>
+            <p:nvGrpSpPr>
+              <p:cNvPr id="6" name="Group 5">
+                <a:extLst>
+                  <a:ext uri="{FF2B5EF4-FFF2-40B4-BE49-F238E27FC236}">
+                    <a16:creationId xmlns:a16="http://schemas.microsoft.com/office/drawing/2014/main" id="{687B8BA3-F800-634B-AA10-D5745AB84824}"/>
+                  </a:ext>
+                </a:extLst>
+              </p:cNvPr>
+              <p:cNvGrpSpPr/>
+              <p:nvPr/>
+            </p:nvGrpSpPr>
+            <p:grpSpPr>
+              <a:xfrm>
+                <a:off x="6016053" y="2083631"/>
+                <a:ext cx="4994223" cy="3667594"/>
+                <a:chOff x="6016053" y="2083631"/>
+                <a:chExt cx="4994223" cy="3667594"/>
+              </a:xfrm>
+              <a:solidFill>
+                <a:srgbClr val="7030A0"/>
+              </a:solidFill>
+            </p:grpSpPr>
+            <p:sp>
+              <p:nvSpPr>
+                <p:cNvPr id="19" name="Oval 18">
+                  <a:extLst>
+                    <a:ext uri="{FF2B5EF4-FFF2-40B4-BE49-F238E27FC236}">
+                      <a16:creationId xmlns:a16="http://schemas.microsoft.com/office/drawing/2014/main" id="{883F30B2-3024-2743-AC8F-0423E24EA65F}"/>
+                    </a:ext>
+                  </a:extLst>
+                </p:cNvPr>
+                <p:cNvSpPr/>
+                <p:nvPr/>
+              </p:nvSpPr>
+              <p:spPr>
+                <a:xfrm>
+                  <a:off x="6625653" y="2263514"/>
+                  <a:ext cx="149902" cy="149901"/>
+                </a:xfrm>
+                <a:prstGeom prst="ellipse">
+                  <a:avLst/>
+                </a:prstGeom>
+                <a:grpFill/>
+                <a:ln>
+                  <a:solidFill>
+                    <a:srgbClr val="7030A0"/>
+                  </a:solidFill>
+                </a:ln>
+              </p:spPr>
+              <p:style>
+                <a:lnRef idx="2">
+                  <a:schemeClr val="accent1">
+                    <a:shade val="50000"/>
+                  </a:schemeClr>
+                </a:lnRef>
+                <a:fillRef idx="1">
+                  <a:schemeClr val="accent1"/>
+                </a:fillRef>
+                <a:effectRef idx="0">
+                  <a:schemeClr val="accent1"/>
+                </a:effectRef>
+                <a:fontRef idx="minor">
+                  <a:schemeClr val="lt1"/>
+                </a:fontRef>
+              </p:style>
+              <p:txBody>
+                <a:bodyPr rtlCol="0" anchor="ctr"/>
+                <a:lstStyle/>
+                <a:p>
+                  <a:pPr algn="ctr"/>
+                  <a:endParaRPr lang="en-US"/>
+                </a:p>
+              </p:txBody>
+            </p:sp>
+            <p:sp>
+              <p:nvSpPr>
+                <p:cNvPr id="20" name="Oval 19">
+                  <a:extLst>
+                    <a:ext uri="{FF2B5EF4-FFF2-40B4-BE49-F238E27FC236}">
+                      <a16:creationId xmlns:a16="http://schemas.microsoft.com/office/drawing/2014/main" id="{75EACC02-39AF-884A-B5C2-8D829EA208C6}"/>
+                    </a:ext>
+                  </a:extLst>
+                </p:cNvPr>
+                <p:cNvSpPr/>
+                <p:nvPr/>
+              </p:nvSpPr>
+              <p:spPr>
+                <a:xfrm>
+                  <a:off x="7182787" y="5144124"/>
+                  <a:ext cx="149902" cy="149901"/>
+                </a:xfrm>
+                <a:prstGeom prst="ellipse">
+                  <a:avLst/>
+                </a:prstGeom>
+                <a:grpFill/>
+                <a:ln>
+                  <a:solidFill>
+                    <a:srgbClr val="7030A0"/>
+                  </a:solidFill>
+                </a:ln>
+              </p:spPr>
+              <p:style>
+                <a:lnRef idx="2">
+                  <a:schemeClr val="accent1">
+                    <a:shade val="50000"/>
+                  </a:schemeClr>
+                </a:lnRef>
+                <a:fillRef idx="1">
+                  <a:schemeClr val="accent1"/>
+                </a:fillRef>
+                <a:effectRef idx="0">
+                  <a:schemeClr val="accent1"/>
+                </a:effectRef>
+                <a:fontRef idx="minor">
+                  <a:schemeClr val="lt1"/>
+                </a:fontRef>
+              </p:style>
+              <p:txBody>
+                <a:bodyPr rtlCol="0" anchor="ctr"/>
+                <a:lstStyle/>
+                <a:p>
+                  <a:pPr algn="ctr"/>
+                  <a:endParaRPr lang="en-US"/>
+                </a:p>
+              </p:txBody>
+            </p:sp>
+            <p:sp>
+              <p:nvSpPr>
+                <p:cNvPr id="21" name="Oval 20">
+                  <a:extLst>
+                    <a:ext uri="{FF2B5EF4-FFF2-40B4-BE49-F238E27FC236}">
+                      <a16:creationId xmlns:a16="http://schemas.microsoft.com/office/drawing/2014/main" id="{3F5B0901-9861-A44D-AABF-6C220FE55CFA}"/>
+                    </a:ext>
+                  </a:extLst>
+                </p:cNvPr>
+                <p:cNvSpPr/>
+                <p:nvPr/>
+              </p:nvSpPr>
+              <p:spPr>
+                <a:xfrm>
+                  <a:off x="8276781" y="3259298"/>
+                  <a:ext cx="149903" cy="149902"/>
+                </a:xfrm>
+                <a:prstGeom prst="ellipse">
+                  <a:avLst/>
+                </a:prstGeom>
+                <a:grpFill/>
+                <a:ln>
+                  <a:solidFill>
+                    <a:srgbClr val="7030A0"/>
+                  </a:solidFill>
+                </a:ln>
+              </p:spPr>
+              <p:style>
+                <a:lnRef idx="2">
+                  <a:schemeClr val="accent1">
+                    <a:shade val="50000"/>
+                  </a:schemeClr>
+                </a:lnRef>
+                <a:fillRef idx="1">
+                  <a:schemeClr val="accent1"/>
+                </a:fillRef>
+                <a:effectRef idx="0">
+                  <a:schemeClr val="accent1"/>
+                </a:effectRef>
+                <a:fontRef idx="minor">
+                  <a:schemeClr val="lt1"/>
+                </a:fontRef>
+              </p:style>
+              <p:txBody>
+                <a:bodyPr rtlCol="0" anchor="ctr"/>
+                <a:lstStyle/>
+                <a:p>
+                  <a:pPr algn="ctr"/>
+                  <a:endParaRPr lang="en-US"/>
+                </a:p>
+              </p:txBody>
+            </p:sp>
+            <p:sp>
+              <p:nvSpPr>
+                <p:cNvPr id="22" name="Oval 21">
+                  <a:extLst>
+                    <a:ext uri="{FF2B5EF4-FFF2-40B4-BE49-F238E27FC236}">
+                      <a16:creationId xmlns:a16="http://schemas.microsoft.com/office/drawing/2014/main" id="{ECA16822-391F-264A-80D2-2F99CBEECF06}"/>
+                    </a:ext>
+                  </a:extLst>
+                </p:cNvPr>
+                <p:cNvSpPr/>
+                <p:nvPr/>
+              </p:nvSpPr>
+              <p:spPr>
+                <a:xfrm>
+                  <a:off x="7490085" y="3629480"/>
+                  <a:ext cx="149902" cy="149901"/>
+                </a:xfrm>
+                <a:prstGeom prst="ellipse">
+                  <a:avLst/>
+                </a:prstGeom>
+                <a:grpFill/>
+                <a:ln>
+                  <a:solidFill>
+                    <a:srgbClr val="7030A0"/>
+                  </a:solidFill>
+                </a:ln>
+              </p:spPr>
+              <p:style>
+                <a:lnRef idx="2">
+                  <a:schemeClr val="accent1">
+                    <a:shade val="50000"/>
+                  </a:schemeClr>
+                </a:lnRef>
+                <a:fillRef idx="1">
+                  <a:schemeClr val="accent1"/>
+                </a:fillRef>
+                <a:effectRef idx="0">
+                  <a:schemeClr val="accent1"/>
+                </a:effectRef>
+                <a:fontRef idx="minor">
+                  <a:schemeClr val="lt1"/>
+                </a:fontRef>
+              </p:style>
+              <p:txBody>
+                <a:bodyPr rtlCol="0" anchor="ctr"/>
+                <a:lstStyle/>
+                <a:p>
+                  <a:pPr algn="ctr"/>
+                  <a:endParaRPr lang="en-US"/>
+                </a:p>
+              </p:txBody>
+            </p:sp>
+            <p:sp>
+              <p:nvSpPr>
+                <p:cNvPr id="23" name="Oval 22">
+                  <a:extLst>
+                    <a:ext uri="{FF2B5EF4-FFF2-40B4-BE49-F238E27FC236}">
+                      <a16:creationId xmlns:a16="http://schemas.microsoft.com/office/drawing/2014/main" id="{DF10F0DA-F371-5241-96A4-FC441706E707}"/>
+                    </a:ext>
+                  </a:extLst>
+                </p:cNvPr>
+                <p:cNvSpPr/>
+                <p:nvPr/>
+              </p:nvSpPr>
+              <p:spPr>
+                <a:xfrm>
+                  <a:off x="7639987" y="5601324"/>
+                  <a:ext cx="149902" cy="149901"/>
+                </a:xfrm>
+                <a:prstGeom prst="ellipse">
+                  <a:avLst/>
+                </a:prstGeom>
+                <a:grpFill/>
+                <a:ln>
+                  <a:solidFill>
+                    <a:srgbClr val="7030A0"/>
+                  </a:solidFill>
+                </a:ln>
+              </p:spPr>
+              <p:style>
+                <a:lnRef idx="2">
+                  <a:schemeClr val="accent1">
+                    <a:shade val="50000"/>
+                  </a:schemeClr>
+                </a:lnRef>
+                <a:fillRef idx="1">
+                  <a:schemeClr val="accent1"/>
+                </a:fillRef>
+                <a:effectRef idx="0">
+                  <a:schemeClr val="accent1"/>
+                </a:effectRef>
+                <a:fontRef idx="minor">
+                  <a:schemeClr val="lt1"/>
+                </a:fontRef>
+              </p:style>
+              <p:txBody>
+                <a:bodyPr rtlCol="0" anchor="ctr"/>
+                <a:lstStyle/>
+                <a:p>
+                  <a:pPr algn="ctr"/>
+                  <a:endParaRPr lang="en-US"/>
+                </a:p>
+              </p:txBody>
+            </p:sp>
+            <p:sp>
+              <p:nvSpPr>
+                <p:cNvPr id="24" name="Oval 23">
+                  <a:extLst>
+                    <a:ext uri="{FF2B5EF4-FFF2-40B4-BE49-F238E27FC236}">
+                      <a16:creationId xmlns:a16="http://schemas.microsoft.com/office/drawing/2014/main" id="{796EDDB3-21B1-AB44-9D16-B8CC5E789697}"/>
+                    </a:ext>
+                  </a:extLst>
+                </p:cNvPr>
+                <p:cNvSpPr/>
+                <p:nvPr/>
+              </p:nvSpPr>
+              <p:spPr>
+                <a:xfrm>
+                  <a:off x="10298243" y="2083631"/>
+                  <a:ext cx="149902" cy="149901"/>
+                </a:xfrm>
+                <a:prstGeom prst="ellipse">
+                  <a:avLst/>
+                </a:prstGeom>
+                <a:grpFill/>
+                <a:ln>
+                  <a:solidFill>
+                    <a:srgbClr val="7030A0"/>
+                  </a:solidFill>
+                </a:ln>
+              </p:spPr>
+              <p:style>
+                <a:lnRef idx="2">
+                  <a:schemeClr val="accent1">
+                    <a:shade val="50000"/>
+                  </a:schemeClr>
+                </a:lnRef>
+                <a:fillRef idx="1">
+                  <a:schemeClr val="accent1"/>
+                </a:fillRef>
+                <a:effectRef idx="0">
+                  <a:schemeClr val="accent1"/>
+                </a:effectRef>
+                <a:fontRef idx="minor">
+                  <a:schemeClr val="lt1"/>
+                </a:fontRef>
+              </p:style>
+              <p:txBody>
+                <a:bodyPr rtlCol="0" anchor="ctr"/>
+                <a:lstStyle/>
+                <a:p>
+                  <a:pPr algn="ctr"/>
+                  <a:endParaRPr lang="en-US"/>
+                </a:p>
+              </p:txBody>
+            </p:sp>
+            <p:sp>
+              <p:nvSpPr>
+                <p:cNvPr id="25" name="Oval 24">
+                  <a:extLst>
+                    <a:ext uri="{FF2B5EF4-FFF2-40B4-BE49-F238E27FC236}">
+                      <a16:creationId xmlns:a16="http://schemas.microsoft.com/office/drawing/2014/main" id="{9E0422C2-635C-DE42-8BD7-0E1B6B9B3452}"/>
+                    </a:ext>
+                  </a:extLst>
+                </p:cNvPr>
+                <p:cNvSpPr/>
+                <p:nvPr/>
+              </p:nvSpPr>
+              <p:spPr>
+                <a:xfrm>
+                  <a:off x="8446957" y="4774366"/>
+                  <a:ext cx="149902" cy="149901"/>
+                </a:xfrm>
+                <a:prstGeom prst="ellipse">
+                  <a:avLst/>
+                </a:prstGeom>
+                <a:grpFill/>
+                <a:ln>
+                  <a:solidFill>
+                    <a:srgbClr val="7030A0"/>
+                  </a:solidFill>
+                </a:ln>
+              </p:spPr>
+              <p:style>
+                <a:lnRef idx="2">
+                  <a:schemeClr val="accent1">
+                    <a:shade val="50000"/>
+                  </a:schemeClr>
+                </a:lnRef>
+                <a:fillRef idx="1">
+                  <a:schemeClr val="accent1"/>
+                </a:fillRef>
+                <a:effectRef idx="0">
+                  <a:schemeClr val="accent1"/>
+                </a:effectRef>
+                <a:fontRef idx="minor">
+                  <a:schemeClr val="lt1"/>
+                </a:fontRef>
+              </p:style>
+              <p:txBody>
+                <a:bodyPr rtlCol="0" anchor="ctr"/>
+                <a:lstStyle/>
+                <a:p>
+                  <a:pPr algn="ctr"/>
+                  <a:endParaRPr lang="en-US"/>
+                </a:p>
+              </p:txBody>
+            </p:sp>
+            <p:sp>
+              <p:nvSpPr>
+                <p:cNvPr id="26" name="Oval 25">
+                  <a:extLst>
+                    <a:ext uri="{FF2B5EF4-FFF2-40B4-BE49-F238E27FC236}">
+                      <a16:creationId xmlns:a16="http://schemas.microsoft.com/office/drawing/2014/main" id="{EF58C009-DFB5-FD47-9196-495EB737BB88}"/>
+                    </a:ext>
+                  </a:extLst>
+                </p:cNvPr>
+                <p:cNvSpPr/>
+                <p:nvPr/>
+              </p:nvSpPr>
+              <p:spPr>
+                <a:xfrm>
+                  <a:off x="6016053" y="3814998"/>
+                  <a:ext cx="149902" cy="149901"/>
+                </a:xfrm>
+                <a:prstGeom prst="ellipse">
+                  <a:avLst/>
+                </a:prstGeom>
+                <a:grpFill/>
+                <a:ln>
+                  <a:solidFill>
+                    <a:srgbClr val="7030A0"/>
+                  </a:solidFill>
+                </a:ln>
+              </p:spPr>
+              <p:style>
+                <a:lnRef idx="2">
+                  <a:schemeClr val="accent1">
+                    <a:shade val="50000"/>
+                  </a:schemeClr>
+                </a:lnRef>
+                <a:fillRef idx="1">
+                  <a:schemeClr val="accent1"/>
+                </a:fillRef>
+                <a:effectRef idx="0">
+                  <a:schemeClr val="accent1"/>
+                </a:effectRef>
+                <a:fontRef idx="minor">
+                  <a:schemeClr val="lt1"/>
+                </a:fontRef>
+              </p:style>
+              <p:txBody>
+                <a:bodyPr rtlCol="0" anchor="ctr"/>
+                <a:lstStyle/>
+                <a:p>
+                  <a:pPr algn="ctr"/>
+                  <a:endParaRPr lang="en-US"/>
+                </a:p>
+              </p:txBody>
+            </p:sp>
+            <p:sp>
+              <p:nvSpPr>
+                <p:cNvPr id="27" name="Oval 26">
+                  <a:extLst>
+                    <a:ext uri="{FF2B5EF4-FFF2-40B4-BE49-F238E27FC236}">
+                      <a16:creationId xmlns:a16="http://schemas.microsoft.com/office/drawing/2014/main" id="{FA872D28-0CDF-D743-B35B-6E55A889D7FC}"/>
+                    </a:ext>
+                  </a:extLst>
+                </p:cNvPr>
+                <p:cNvSpPr/>
+                <p:nvPr/>
+              </p:nvSpPr>
+              <p:spPr>
+                <a:xfrm>
+                  <a:off x="10860374" y="4624465"/>
+                  <a:ext cx="149902" cy="149901"/>
+                </a:xfrm>
+                <a:prstGeom prst="ellipse">
+                  <a:avLst/>
+                </a:prstGeom>
+                <a:grpFill/>
+                <a:ln>
+                  <a:solidFill>
+                    <a:srgbClr val="7030A0"/>
+                  </a:solidFill>
+                </a:ln>
+              </p:spPr>
+              <p:style>
+                <a:lnRef idx="2">
+                  <a:schemeClr val="accent1">
+                    <a:shade val="50000"/>
+                  </a:schemeClr>
+                </a:lnRef>
+                <a:fillRef idx="1">
+                  <a:schemeClr val="accent1"/>
+                </a:fillRef>
+                <a:effectRef idx="0">
+                  <a:schemeClr val="accent1"/>
+                </a:effectRef>
+                <a:fontRef idx="minor">
+                  <a:schemeClr val="lt1"/>
+                </a:fontRef>
+              </p:style>
+              <p:txBody>
+                <a:bodyPr rtlCol="0" anchor="ctr"/>
+                <a:lstStyle/>
+                <a:p>
+                  <a:pPr algn="ctr"/>
+                  <a:endParaRPr lang="en-US"/>
+                </a:p>
+              </p:txBody>
+            </p:sp>
+            <p:sp>
+              <p:nvSpPr>
+                <p:cNvPr id="28" name="Oval 27">
+                  <a:extLst>
+                    <a:ext uri="{FF2B5EF4-FFF2-40B4-BE49-F238E27FC236}">
+                      <a16:creationId xmlns:a16="http://schemas.microsoft.com/office/drawing/2014/main" id="{7926771C-7B5F-A542-8875-DF2287B3111D}"/>
+                    </a:ext>
+                  </a:extLst>
+                </p:cNvPr>
+                <p:cNvSpPr/>
+                <p:nvPr/>
+              </p:nvSpPr>
+              <p:spPr>
+                <a:xfrm>
+                  <a:off x="7639987" y="5601324"/>
+                  <a:ext cx="149902" cy="149901"/>
+                </a:xfrm>
+                <a:prstGeom prst="ellipse">
+                  <a:avLst/>
+                </a:prstGeom>
+                <a:grpFill/>
+                <a:ln>
+                  <a:solidFill>
+                    <a:srgbClr val="7030A0"/>
+                  </a:solidFill>
+                </a:ln>
+              </p:spPr>
+              <p:style>
+                <a:lnRef idx="2">
+                  <a:schemeClr val="accent1">
+                    <a:shade val="50000"/>
+                  </a:schemeClr>
+                </a:lnRef>
+                <a:fillRef idx="1">
+                  <a:schemeClr val="accent1"/>
+                </a:fillRef>
+                <a:effectRef idx="0">
+                  <a:schemeClr val="accent1"/>
+                </a:effectRef>
+                <a:fontRef idx="minor">
+                  <a:schemeClr val="lt1"/>
+                </a:fontRef>
+              </p:style>
+              <p:txBody>
+                <a:bodyPr rtlCol="0" anchor="ctr"/>
+                <a:lstStyle/>
+                <a:p>
+                  <a:pPr algn="ctr"/>
+                  <a:endParaRPr lang="en-US"/>
+                </a:p>
+              </p:txBody>
+            </p:sp>
+          </p:grpSp>
+          <p:grpSp>
+            <p:nvGrpSpPr>
+              <p:cNvPr id="7" name="Group 6">
+                <a:extLst>
+                  <a:ext uri="{FF2B5EF4-FFF2-40B4-BE49-F238E27FC236}">
+                    <a16:creationId xmlns:a16="http://schemas.microsoft.com/office/drawing/2014/main" id="{8420AE38-30C1-E44B-B3EB-5EA7D0D3B806}"/>
+                  </a:ext>
+                </a:extLst>
+              </p:cNvPr>
+              <p:cNvGrpSpPr/>
+              <p:nvPr/>
+            </p:nvGrpSpPr>
+            <p:grpSpPr>
+              <a:xfrm>
+                <a:off x="6212174" y="1656413"/>
+                <a:ext cx="4910528" cy="4094812"/>
+                <a:chOff x="6016053" y="2263514"/>
+                <a:chExt cx="4087318" cy="3487711"/>
+              </a:xfrm>
+              <a:solidFill>
+                <a:srgbClr val="FF0000"/>
+              </a:solidFill>
+            </p:grpSpPr>
+            <p:sp>
+              <p:nvSpPr>
+                <p:cNvPr id="9" name="Oval 8">
+                  <a:extLst>
+                    <a:ext uri="{FF2B5EF4-FFF2-40B4-BE49-F238E27FC236}">
+                      <a16:creationId xmlns:a16="http://schemas.microsoft.com/office/drawing/2014/main" id="{3A7FF904-39A6-A94D-BA84-F98CD3A99EF1}"/>
+                    </a:ext>
+                  </a:extLst>
+                </p:cNvPr>
+                <p:cNvSpPr/>
+                <p:nvPr/>
+              </p:nvSpPr>
+              <p:spPr>
+                <a:xfrm>
+                  <a:off x="6625653" y="2263514"/>
+                  <a:ext cx="149902" cy="149901"/>
+                </a:xfrm>
+                <a:prstGeom prst="ellipse">
+                  <a:avLst/>
+                </a:prstGeom>
+                <a:grpFill/>
+                <a:ln>
+                  <a:solidFill>
+                    <a:srgbClr val="FF0000"/>
+                  </a:solidFill>
+                </a:ln>
+              </p:spPr>
+              <p:style>
+                <a:lnRef idx="2">
+                  <a:schemeClr val="accent1">
+                    <a:shade val="50000"/>
+                  </a:schemeClr>
+                </a:lnRef>
+                <a:fillRef idx="1">
+                  <a:schemeClr val="accent1"/>
+                </a:fillRef>
+                <a:effectRef idx="0">
+                  <a:schemeClr val="accent1"/>
+                </a:effectRef>
+                <a:fontRef idx="minor">
+                  <a:schemeClr val="lt1"/>
+                </a:fontRef>
+              </p:style>
+              <p:txBody>
+                <a:bodyPr rtlCol="0" anchor="ctr"/>
+                <a:lstStyle/>
+                <a:p>
+                  <a:pPr algn="ctr"/>
+                  <a:endParaRPr lang="en-US"/>
+                </a:p>
+              </p:txBody>
+            </p:sp>
+            <p:sp>
+              <p:nvSpPr>
+                <p:cNvPr id="10" name="Oval 9">
+                  <a:extLst>
+                    <a:ext uri="{FF2B5EF4-FFF2-40B4-BE49-F238E27FC236}">
+                      <a16:creationId xmlns:a16="http://schemas.microsoft.com/office/drawing/2014/main" id="{58A087CD-A1A8-3342-84E9-A8B45ACF1F4C}"/>
+                    </a:ext>
+                  </a:extLst>
+                </p:cNvPr>
+                <p:cNvSpPr/>
+                <p:nvPr/>
+              </p:nvSpPr>
+              <p:spPr>
+                <a:xfrm>
+                  <a:off x="7182787" y="5144124"/>
+                  <a:ext cx="149902" cy="149901"/>
+                </a:xfrm>
+                <a:prstGeom prst="ellipse">
+                  <a:avLst/>
+                </a:prstGeom>
+                <a:grpFill/>
+                <a:ln>
+                  <a:solidFill>
+                    <a:srgbClr val="FF0000"/>
+                  </a:solidFill>
+                </a:ln>
+              </p:spPr>
+              <p:style>
+                <a:lnRef idx="2">
+                  <a:schemeClr val="accent1">
+                    <a:shade val="50000"/>
+                  </a:schemeClr>
+                </a:lnRef>
+                <a:fillRef idx="1">
+                  <a:schemeClr val="accent1"/>
+                </a:fillRef>
+                <a:effectRef idx="0">
+                  <a:schemeClr val="accent1"/>
+                </a:effectRef>
+                <a:fontRef idx="minor">
+                  <a:schemeClr val="lt1"/>
+                </a:fontRef>
+              </p:style>
+              <p:txBody>
+                <a:bodyPr rtlCol="0" anchor="ctr"/>
+                <a:lstStyle/>
+                <a:p>
+                  <a:pPr algn="ctr"/>
+                  <a:endParaRPr lang="en-US"/>
+                </a:p>
+              </p:txBody>
+            </p:sp>
+            <p:sp>
+              <p:nvSpPr>
+                <p:cNvPr id="11" name="Oval 10">
+                  <a:extLst>
+                    <a:ext uri="{FF2B5EF4-FFF2-40B4-BE49-F238E27FC236}">
+                      <a16:creationId xmlns:a16="http://schemas.microsoft.com/office/drawing/2014/main" id="{5DA65F31-F3E4-D74E-8C68-0A0199BBE28B}"/>
+                    </a:ext>
+                  </a:extLst>
+                </p:cNvPr>
+                <p:cNvSpPr/>
+                <p:nvPr/>
+              </p:nvSpPr>
+              <p:spPr>
+                <a:xfrm>
+                  <a:off x="8104543" y="3035420"/>
+                  <a:ext cx="149902" cy="149901"/>
+                </a:xfrm>
+                <a:prstGeom prst="ellipse">
+                  <a:avLst/>
+                </a:prstGeom>
+                <a:grpFill/>
+                <a:ln>
+                  <a:solidFill>
+                    <a:srgbClr val="FF0000"/>
+                  </a:solidFill>
+                </a:ln>
+              </p:spPr>
+              <p:style>
+                <a:lnRef idx="2">
+                  <a:schemeClr val="accent1">
+                    <a:shade val="50000"/>
+                  </a:schemeClr>
+                </a:lnRef>
+                <a:fillRef idx="1">
+                  <a:schemeClr val="accent1"/>
+                </a:fillRef>
+                <a:effectRef idx="0">
+                  <a:schemeClr val="accent1"/>
+                </a:effectRef>
+                <a:fontRef idx="minor">
+                  <a:schemeClr val="lt1"/>
+                </a:fontRef>
+              </p:style>
+              <p:txBody>
+                <a:bodyPr rtlCol="0" anchor="ctr"/>
+                <a:lstStyle/>
+                <a:p>
+                  <a:pPr algn="ctr"/>
+                  <a:endParaRPr lang="en-US"/>
+                </a:p>
+              </p:txBody>
+            </p:sp>
+            <p:sp>
+              <p:nvSpPr>
+                <p:cNvPr id="12" name="Oval 11">
+                  <a:extLst>
+                    <a:ext uri="{FF2B5EF4-FFF2-40B4-BE49-F238E27FC236}">
+                      <a16:creationId xmlns:a16="http://schemas.microsoft.com/office/drawing/2014/main" id="{22BCBD8F-0B6B-F046-8F0F-19DB56CACCC0}"/>
+                    </a:ext>
+                  </a:extLst>
+                </p:cNvPr>
+                <p:cNvSpPr/>
+                <p:nvPr/>
+              </p:nvSpPr>
+              <p:spPr>
+                <a:xfrm>
+                  <a:off x="6864246" y="3244729"/>
+                  <a:ext cx="149902" cy="149901"/>
+                </a:xfrm>
+                <a:prstGeom prst="ellipse">
+                  <a:avLst/>
+                </a:prstGeom>
+                <a:solidFill>
+                  <a:schemeClr val="tx1"/>
+                </a:solidFill>
+                <a:ln>
+                  <a:solidFill>
+                    <a:schemeClr val="tx1"/>
+                  </a:solidFill>
+                </a:ln>
+              </p:spPr>
+              <p:style>
+                <a:lnRef idx="2">
+                  <a:schemeClr val="accent1">
+                    <a:shade val="50000"/>
+                  </a:schemeClr>
+                </a:lnRef>
+                <a:fillRef idx="1">
+                  <a:schemeClr val="accent1"/>
+                </a:fillRef>
+                <a:effectRef idx="0">
+                  <a:schemeClr val="accent1"/>
+                </a:effectRef>
+                <a:fontRef idx="minor">
+                  <a:schemeClr val="lt1"/>
+                </a:fontRef>
+              </p:style>
+              <p:txBody>
+                <a:bodyPr rtlCol="0" anchor="ctr"/>
+                <a:lstStyle/>
+                <a:p>
+                  <a:pPr algn="ctr"/>
+                  <a:endParaRPr lang="en-US" dirty="0"/>
+                </a:p>
+              </p:txBody>
+            </p:sp>
+            <p:sp>
+              <p:nvSpPr>
+                <p:cNvPr id="13" name="Oval 12">
+                  <a:extLst>
+                    <a:ext uri="{FF2B5EF4-FFF2-40B4-BE49-F238E27FC236}">
+                      <a16:creationId xmlns:a16="http://schemas.microsoft.com/office/drawing/2014/main" id="{5F08170C-E34A-8045-8B35-C1C11C118403}"/>
+                    </a:ext>
+                  </a:extLst>
+                </p:cNvPr>
+                <p:cNvSpPr/>
+                <p:nvPr/>
+              </p:nvSpPr>
+              <p:spPr>
+                <a:xfrm>
+                  <a:off x="7639987" y="5601324"/>
+                  <a:ext cx="149902" cy="149901"/>
+                </a:xfrm>
+                <a:prstGeom prst="ellipse">
+                  <a:avLst/>
+                </a:prstGeom>
+                <a:grpFill/>
+                <a:ln>
+                  <a:solidFill>
+                    <a:srgbClr val="FF0000"/>
+                  </a:solidFill>
+                </a:ln>
+              </p:spPr>
+              <p:style>
+                <a:lnRef idx="2">
+                  <a:schemeClr val="accent1">
+                    <a:shade val="50000"/>
+                  </a:schemeClr>
+                </a:lnRef>
+                <a:fillRef idx="1">
+                  <a:schemeClr val="accent1"/>
+                </a:fillRef>
+                <a:effectRef idx="0">
+                  <a:schemeClr val="accent1"/>
+                </a:effectRef>
+                <a:fontRef idx="minor">
+                  <a:schemeClr val="lt1"/>
+                </a:fontRef>
+              </p:style>
+              <p:txBody>
+                <a:bodyPr rtlCol="0" anchor="ctr"/>
+                <a:lstStyle/>
+                <a:p>
+                  <a:pPr algn="ctr"/>
+                  <a:endParaRPr lang="en-US"/>
+                </a:p>
+              </p:txBody>
+            </p:sp>
+            <p:sp>
+              <p:nvSpPr>
+                <p:cNvPr id="14" name="Oval 13">
+                  <a:extLst>
+                    <a:ext uri="{FF2B5EF4-FFF2-40B4-BE49-F238E27FC236}">
+                      <a16:creationId xmlns:a16="http://schemas.microsoft.com/office/drawing/2014/main" id="{620FCD69-E357-7A4F-928B-7301232FAA73}"/>
+                    </a:ext>
+                  </a:extLst>
+                </p:cNvPr>
+                <p:cNvSpPr/>
+                <p:nvPr/>
+              </p:nvSpPr>
+              <p:spPr>
+                <a:xfrm>
+                  <a:off x="9927236" y="2638265"/>
+                  <a:ext cx="149902" cy="149901"/>
+                </a:xfrm>
+                <a:prstGeom prst="ellipse">
+                  <a:avLst/>
+                </a:prstGeom>
+                <a:grpFill/>
+                <a:ln>
+                  <a:solidFill>
+                    <a:srgbClr val="FF0000"/>
+                  </a:solidFill>
+                </a:ln>
+              </p:spPr>
+              <p:style>
+                <a:lnRef idx="2">
+                  <a:schemeClr val="accent1">
+                    <a:shade val="50000"/>
+                  </a:schemeClr>
+                </a:lnRef>
+                <a:fillRef idx="1">
+                  <a:schemeClr val="accent1"/>
+                </a:fillRef>
+                <a:effectRef idx="0">
+                  <a:schemeClr val="accent1"/>
+                </a:effectRef>
+                <a:fontRef idx="minor">
+                  <a:schemeClr val="lt1"/>
+                </a:fontRef>
+              </p:style>
+              <p:txBody>
+                <a:bodyPr rtlCol="0" anchor="ctr"/>
+                <a:lstStyle/>
+                <a:p>
+                  <a:pPr algn="ctr"/>
+                  <a:endParaRPr lang="en-US"/>
+                </a:p>
+              </p:txBody>
+            </p:sp>
+            <p:sp>
+              <p:nvSpPr>
+                <p:cNvPr id="15" name="Oval 14">
+                  <a:extLst>
+                    <a:ext uri="{FF2B5EF4-FFF2-40B4-BE49-F238E27FC236}">
+                      <a16:creationId xmlns:a16="http://schemas.microsoft.com/office/drawing/2014/main" id="{37B1BCB1-494F-6940-B468-D6753808D195}"/>
+                    </a:ext>
+                  </a:extLst>
+                </p:cNvPr>
+                <p:cNvSpPr/>
+                <p:nvPr/>
+              </p:nvSpPr>
+              <p:spPr>
+                <a:xfrm>
+                  <a:off x="8446957" y="4102945"/>
+                  <a:ext cx="149902" cy="149901"/>
+                </a:xfrm>
+                <a:prstGeom prst="ellipse">
+                  <a:avLst/>
+                </a:prstGeom>
+                <a:grpFill/>
+                <a:ln>
+                  <a:solidFill>
+                    <a:srgbClr val="FF0000"/>
+                  </a:solidFill>
+                </a:ln>
+              </p:spPr>
+              <p:style>
+                <a:lnRef idx="2">
+                  <a:schemeClr val="accent1">
+                    <a:shade val="50000"/>
+                  </a:schemeClr>
+                </a:lnRef>
+                <a:fillRef idx="1">
+                  <a:schemeClr val="accent1"/>
+                </a:fillRef>
+                <a:effectRef idx="0">
+                  <a:schemeClr val="accent1"/>
+                </a:effectRef>
+                <a:fontRef idx="minor">
+                  <a:schemeClr val="lt1"/>
+                </a:fontRef>
+              </p:style>
+              <p:txBody>
+                <a:bodyPr rtlCol="0" anchor="ctr"/>
+                <a:lstStyle/>
+                <a:p>
+                  <a:pPr algn="ctr"/>
+                  <a:endParaRPr lang="en-US"/>
+                </a:p>
+              </p:txBody>
+            </p:sp>
+            <p:sp>
+              <p:nvSpPr>
+                <p:cNvPr id="16" name="Oval 15">
+                  <a:extLst>
+                    <a:ext uri="{FF2B5EF4-FFF2-40B4-BE49-F238E27FC236}">
+                      <a16:creationId xmlns:a16="http://schemas.microsoft.com/office/drawing/2014/main" id="{DADC750A-1708-B84C-81AF-374E66E8F202}"/>
+                    </a:ext>
+                  </a:extLst>
+                </p:cNvPr>
+                <p:cNvSpPr/>
+                <p:nvPr/>
+              </p:nvSpPr>
+              <p:spPr>
+                <a:xfrm>
+                  <a:off x="6016053" y="3814998"/>
+                  <a:ext cx="149902" cy="149901"/>
+                </a:xfrm>
+                <a:prstGeom prst="ellipse">
+                  <a:avLst/>
+                </a:prstGeom>
+                <a:grpFill/>
+                <a:ln>
+                  <a:solidFill>
+                    <a:srgbClr val="FF0000"/>
+                  </a:solidFill>
+                </a:ln>
+              </p:spPr>
+              <p:style>
+                <a:lnRef idx="2">
+                  <a:schemeClr val="accent1">
+                    <a:shade val="50000"/>
+                  </a:schemeClr>
+                </a:lnRef>
+                <a:fillRef idx="1">
+                  <a:schemeClr val="accent1"/>
+                </a:fillRef>
+                <a:effectRef idx="0">
+                  <a:schemeClr val="accent1"/>
+                </a:effectRef>
+                <a:fontRef idx="minor">
+                  <a:schemeClr val="lt1"/>
+                </a:fontRef>
+              </p:style>
+              <p:txBody>
+                <a:bodyPr rtlCol="0" anchor="ctr"/>
+                <a:lstStyle/>
+                <a:p>
+                  <a:pPr algn="ctr"/>
+                  <a:endParaRPr lang="en-US"/>
+                </a:p>
+              </p:txBody>
+            </p:sp>
+            <p:sp>
+              <p:nvSpPr>
+                <p:cNvPr id="17" name="Oval 16">
+                  <a:extLst>
+                    <a:ext uri="{FF2B5EF4-FFF2-40B4-BE49-F238E27FC236}">
+                      <a16:creationId xmlns:a16="http://schemas.microsoft.com/office/drawing/2014/main" id="{F38F6322-5EEE-BD4D-98FB-F811EB2555A3}"/>
+                    </a:ext>
+                  </a:extLst>
+                </p:cNvPr>
+                <p:cNvSpPr/>
+                <p:nvPr/>
+              </p:nvSpPr>
+              <p:spPr>
+                <a:xfrm>
+                  <a:off x="9953469" y="4423108"/>
+                  <a:ext cx="149902" cy="149901"/>
+                </a:xfrm>
+                <a:prstGeom prst="ellipse">
+                  <a:avLst/>
+                </a:prstGeom>
+                <a:grpFill/>
+                <a:ln>
+                  <a:solidFill>
+                    <a:srgbClr val="FF0000"/>
+                  </a:solidFill>
+                </a:ln>
+              </p:spPr>
+              <p:style>
+                <a:lnRef idx="2">
+                  <a:schemeClr val="accent1">
+                    <a:shade val="50000"/>
+                  </a:schemeClr>
+                </a:lnRef>
+                <a:fillRef idx="1">
+                  <a:schemeClr val="accent1"/>
+                </a:fillRef>
+                <a:effectRef idx="0">
+                  <a:schemeClr val="accent1"/>
+                </a:effectRef>
+                <a:fontRef idx="minor">
+                  <a:schemeClr val="lt1"/>
+                </a:fontRef>
+              </p:style>
+              <p:txBody>
+                <a:bodyPr rtlCol="0" anchor="ctr"/>
+                <a:lstStyle/>
+                <a:p>
+                  <a:pPr algn="ctr"/>
+                  <a:endParaRPr lang="en-US"/>
+                </a:p>
+              </p:txBody>
+            </p:sp>
+            <p:sp>
+              <p:nvSpPr>
+                <p:cNvPr id="18" name="Oval 17">
+                  <a:extLst>
+                    <a:ext uri="{FF2B5EF4-FFF2-40B4-BE49-F238E27FC236}">
+                      <a16:creationId xmlns:a16="http://schemas.microsoft.com/office/drawing/2014/main" id="{C8501C18-6F1D-DC46-8451-127F946C6D82}"/>
+                    </a:ext>
+                  </a:extLst>
+                </p:cNvPr>
+                <p:cNvSpPr/>
+                <p:nvPr/>
+              </p:nvSpPr>
+              <p:spPr>
+                <a:xfrm>
+                  <a:off x="7639987" y="5601324"/>
+                  <a:ext cx="149902" cy="149901"/>
+                </a:xfrm>
+                <a:prstGeom prst="ellipse">
+                  <a:avLst/>
+                </a:prstGeom>
+                <a:grpFill/>
+                <a:ln>
+                  <a:solidFill>
+                    <a:srgbClr val="FF0000"/>
+                  </a:solidFill>
+                </a:ln>
+              </p:spPr>
+              <p:style>
+                <a:lnRef idx="2">
+                  <a:schemeClr val="accent1">
+                    <a:shade val="50000"/>
+                  </a:schemeClr>
+                </a:lnRef>
+                <a:fillRef idx="1">
+                  <a:schemeClr val="accent1"/>
+                </a:fillRef>
+                <a:effectRef idx="0">
+                  <a:schemeClr val="accent1"/>
+                </a:effectRef>
+                <a:fontRef idx="minor">
+                  <a:schemeClr val="lt1"/>
+                </a:fontRef>
+              </p:style>
+              <p:txBody>
+                <a:bodyPr rtlCol="0" anchor="ctr"/>
+                <a:lstStyle/>
+                <a:p>
+                  <a:pPr algn="ctr"/>
+                  <a:endParaRPr lang="en-US"/>
+                </a:p>
+              </p:txBody>
+            </p:sp>
+          </p:grpSp>
+          <p:cxnSp>
+            <p:nvCxnSpPr>
+              <p:cNvPr id="8" name="Straight Arrow Connector 7">
+                <a:extLst>
+                  <a:ext uri="{FF2B5EF4-FFF2-40B4-BE49-F238E27FC236}">
+                    <a16:creationId xmlns:a16="http://schemas.microsoft.com/office/drawing/2014/main" id="{2FEC0060-0413-F742-AF00-A92363A97461}"/>
+                  </a:ext>
+                </a:extLst>
+              </p:cNvPr>
+              <p:cNvCxnSpPr>
+                <a:cxnSpLocks/>
+              </p:cNvCxnSpPr>
+              <p:nvPr/>
+            </p:nvCxnSpPr>
+            <p:spPr>
+              <a:xfrm flipH="1" flipV="1">
+                <a:off x="5726243" y="2883377"/>
+                <a:ext cx="1291039" cy="29711"/>
+              </a:xfrm>
+              <a:prstGeom prst="straightConnector1">
+                <a:avLst/>
+              </a:prstGeom>
+              <a:ln w="63500">
+                <a:solidFill>
+                  <a:srgbClr val="7030A0"/>
+                </a:solidFill>
+                <a:tailEnd type="triangle"/>
+              </a:ln>
+            </p:spPr>
+            <p:style>
+              <a:lnRef idx="1">
+                <a:schemeClr val="accent1"/>
+              </a:lnRef>
+              <a:fillRef idx="0">
+                <a:schemeClr val="accent1"/>
+              </a:fillRef>
+              <a:effectRef idx="0">
+                <a:schemeClr val="accent1"/>
+              </a:effectRef>
+              <a:fontRef idx="minor">
+                <a:schemeClr val="tx1"/>
+              </a:fontRef>
+            </p:style>
+          </p:cxnSp>
+        </p:grpSp>
+        <p:cxnSp>
+          <p:nvCxnSpPr>
+            <p:cNvPr id="32" name="Straight Arrow Connector 31">
+              <a:extLst>
+                <a:ext uri="{FF2B5EF4-FFF2-40B4-BE49-F238E27FC236}">
+                  <a16:creationId xmlns:a16="http://schemas.microsoft.com/office/drawing/2014/main" id="{AAC283DC-3447-9742-B528-519695DC3DF8}"/>
+                </a:ext>
+              </a:extLst>
+            </p:cNvPr>
+            <p:cNvCxnSpPr/>
+            <p:nvPr/>
+          </p:nvCxnSpPr>
+          <p:spPr>
+            <a:xfrm flipV="1">
+              <a:off x="1962710" y="2544966"/>
+              <a:ext cx="697363" cy="125716"/>
+            </a:xfrm>
+            <a:prstGeom prst="straightConnector1">
+              <a:avLst/>
+            </a:prstGeom>
+            <a:ln w="38100">
+              <a:prstDash val="sysDot"/>
+              <a:headEnd type="triangle"/>
+              <a:tailEnd type="triangle"/>
+            </a:ln>
+          </p:spPr>
+          <p:style>
+            <a:lnRef idx="1">
+              <a:schemeClr val="accent1"/>
+            </a:lnRef>
+            <a:fillRef idx="0">
+              <a:schemeClr val="accent1"/>
+            </a:fillRef>
+            <a:effectRef idx="0">
+              <a:schemeClr val="accent1"/>
+            </a:effectRef>
+            <a:fontRef idx="minor">
+              <a:schemeClr val="tx1"/>
+            </a:fontRef>
+          </p:style>
+        </p:cxnSp>
+        <p:cxnSp>
+          <p:nvCxnSpPr>
+            <p:cNvPr id="35" name="Straight Arrow Connector 34">
+              <a:extLst>
+                <a:ext uri="{FF2B5EF4-FFF2-40B4-BE49-F238E27FC236}">
+                  <a16:creationId xmlns:a16="http://schemas.microsoft.com/office/drawing/2014/main" id="{D4220FFD-C38D-1F48-87CE-0FA623461FFE}"/>
+                </a:ext>
+              </a:extLst>
+            </p:cNvPr>
+            <p:cNvCxnSpPr>
+              <a:cxnSpLocks/>
+            </p:cNvCxnSpPr>
+            <p:nvPr/>
+          </p:nvCxnSpPr>
+          <p:spPr>
+            <a:xfrm>
+              <a:off x="1905560" y="2776504"/>
+              <a:ext cx="514733" cy="191556"/>
+            </a:xfrm>
+            <a:prstGeom prst="straightConnector1">
+              <a:avLst/>
+            </a:prstGeom>
+            <a:ln w="38100">
+              <a:solidFill>
+                <a:srgbClr val="FF0000"/>
+              </a:solidFill>
+              <a:prstDash val="sysDot"/>
+              <a:headEnd type="triangle"/>
+              <a:tailEnd type="triangle"/>
+            </a:ln>
+          </p:spPr>
+          <p:style>
+            <a:lnRef idx="1">
+              <a:schemeClr val="accent1"/>
+            </a:lnRef>
+            <a:fillRef idx="0">
+              <a:schemeClr val="accent1"/>
+            </a:fillRef>
+            <a:effectRef idx="0">
+              <a:schemeClr val="accent1"/>
+            </a:effectRef>
+            <a:fontRef idx="minor">
+              <a:schemeClr val="tx1"/>
+            </a:fontRef>
+          </p:style>
+        </p:cxnSp>
+        <p:sp>
+          <p:nvSpPr>
+            <p:cNvPr id="40" name="TextBox 39">
+              <a:extLst>
+                <a:ext uri="{FF2B5EF4-FFF2-40B4-BE49-F238E27FC236}">
+                  <a16:creationId xmlns:a16="http://schemas.microsoft.com/office/drawing/2014/main" id="{C3D98F1D-5CAB-434F-AC29-59BDA0ACCCAE}"/>
+                </a:ext>
+              </a:extLst>
+            </p:cNvPr>
+            <p:cNvSpPr txBox="1"/>
+            <p:nvPr/>
+          </p:nvSpPr>
+          <p:spPr>
+            <a:xfrm>
+              <a:off x="2578002" y="2553318"/>
+              <a:ext cx="1829374" cy="707886"/>
+            </a:xfrm>
+            <a:prstGeom prst="rect">
+              <a:avLst/>
+            </a:prstGeom>
+            <a:noFill/>
+          </p:spPr>
+          <p:txBody>
+            <a:bodyPr wrap="square" rtlCol="0">
+              <a:spAutoFit/>
+            </a:bodyPr>
+            <a:lstStyle/>
+            <a:p>
+              <a:r>
+                <a:rPr lang="en-US" sz="2000" dirty="0"/>
+                <a:t>Intermolecular forces</a:t>
+              </a:r>
+            </a:p>
+          </p:txBody>
+        </p:sp>
+      </p:grpSp>
+      <p:cxnSp>
+        <p:nvCxnSpPr>
+          <p:cNvPr id="2" name="Straight Arrow Connector 1">
+            <a:extLst>
+              <a:ext uri="{FF2B5EF4-FFF2-40B4-BE49-F238E27FC236}">
+                <a16:creationId xmlns:a16="http://schemas.microsoft.com/office/drawing/2014/main" id="{D26EC9DE-CEF2-E916-9DF1-C03F018AB2D1}"/>
+              </a:ext>
+            </a:extLst>
+          </p:cNvPr>
+          <p:cNvCxnSpPr>
+            <a:cxnSpLocks/>
+          </p:cNvCxnSpPr>
+          <p:nvPr/>
+        </p:nvCxnSpPr>
         <p:spPr>
           <a:xfrm>
-            <a:off x="653247" y="1018975"/>
-            <a:ext cx="11163300" cy="3060700"/>
+            <a:off x="3283218" y="6039674"/>
+            <a:ext cx="599982" cy="0"/>
           </a:xfrm>
-          <a:prstGeom prst="rect">
+          <a:prstGeom prst="straightConnector1">
             <a:avLst/>
           </a:prstGeom>
+          <a:ln w="38100">
+            <a:solidFill>
+              <a:srgbClr val="FF0000"/>
+            </a:solidFill>
+            <a:prstDash val="sysDot"/>
+            <a:headEnd type="triangle"/>
+            <a:tailEnd type="triangle"/>
+          </a:ln>
         </p:spPr>
-      </p:pic>
-      <p:sp>
-        <p:nvSpPr>
-          <p:cNvPr id="5" name="TextBox 4">
-            <a:extLst>
-              <a:ext uri="{FF2B5EF4-FFF2-40B4-BE49-F238E27FC236}">
-                <a16:creationId xmlns:a16="http://schemas.microsoft.com/office/drawing/2014/main" id="{D97429C3-A725-6E46-991D-B920E54E7628}"/>
-              </a:ext>
-            </a:extLst>
-          </p:cNvPr>
-          <p:cNvSpPr txBox="1"/>
-          <p:nvPr/>
-        </p:nvSpPr>
-        <p:spPr>
-          <a:xfrm>
-            <a:off x="752355" y="4399885"/>
-            <a:ext cx="9259746" cy="1569660"/>
-          </a:xfrm>
-          <a:prstGeom prst="rect">
-            <a:avLst/>
-          </a:prstGeom>
-          <a:noFill/>
-        </p:spPr>
-        <p:txBody>
-          <a:bodyPr wrap="square" rtlCol="0">
-            <a:spAutoFit/>
-          </a:bodyPr>
-          <a:lstStyle/>
-          <a:p>
-            <a:r>
-              <a:rPr lang="en-US" sz="2400" dirty="0"/>
-              <a:t>Since </a:t>
-            </a:r>
-            <a:r>
-              <a:rPr lang="en-US" sz="2400" i="1" dirty="0"/>
-              <a:t>a</a:t>
-            </a:r>
-            <a:r>
-              <a:rPr lang="en-US" sz="2400" dirty="0"/>
-              <a:t> and </a:t>
-            </a:r>
-            <a:r>
-              <a:rPr lang="en-US" sz="2400" i="1" dirty="0"/>
-              <a:t>b</a:t>
-            </a:r>
-            <a:r>
-              <a:rPr lang="en-US" sz="2400" dirty="0"/>
-              <a:t> are tuned to each gas, we expect vdw to be more accurate than the ideal gas law.  You’ll be exploring </a:t>
-            </a:r>
-            <a:r>
-              <a:rPr lang="en-US" sz="2400" i="1" dirty="0"/>
-              <a:t>how much </a:t>
-            </a:r>
-            <a:r>
-              <a:rPr lang="en-US" sz="2400" dirty="0"/>
-              <a:t>more. </a:t>
-            </a:r>
-          </a:p>
-          <a:p>
-            <a:endParaRPr lang="en-US" sz="2400" dirty="0"/>
-          </a:p>
-          <a:p>
-            <a:r>
-              <a:rPr lang="en-US" sz="2400" i="1" dirty="0"/>
-              <a:t>Spoiler: under ordinary room conditions, it works pretty well.</a:t>
-            </a:r>
-          </a:p>
-        </p:txBody>
-      </p:sp>
+        <p:style>
+          <a:lnRef idx="1">
+            <a:schemeClr val="accent1"/>
+          </a:lnRef>
+          <a:fillRef idx="0">
+            <a:schemeClr val="accent1"/>
+          </a:fillRef>
+          <a:effectRef idx="0">
+            <a:schemeClr val="accent1"/>
+          </a:effectRef>
+          <a:fontRef idx="minor">
+            <a:schemeClr val="tx1"/>
+          </a:fontRef>
+        </p:style>
+      </p:cxnSp>
     </p:spTree>
     <p:extLst>
       <p:ext uri="{BB962C8B-B14F-4D97-AF65-F5344CB8AC3E}">
-        <p14:creationId xmlns:p14="http://schemas.microsoft.com/office/powerpoint/2010/main" val="4293312916"/>
+        <p14:creationId xmlns:p14="http://schemas.microsoft.com/office/powerpoint/2010/main" val="4147872306"/>
       </p:ext>
     </p:extLst>
   </p:cSld>
@@ -7278,17 +10349,17 @@
           <a:p>
             <a:r>
               <a:rPr lang="en-US" sz="2400" b="1" dirty="0"/>
-              <a:t>Scientific notation</a:t>
+              <a:t>The van der Waals Gas Law</a:t>
             </a:r>
           </a:p>
         </p:txBody>
       </p:sp>
       <p:pic>
         <p:nvPicPr>
-          <p:cNvPr id="12" name="Picture 11">
-            <a:extLst>
-              <a:ext uri="{FF2B5EF4-FFF2-40B4-BE49-F238E27FC236}">
-                <a16:creationId xmlns:a16="http://schemas.microsoft.com/office/drawing/2014/main" id="{169C47B9-9B2D-304B-9059-E832DD839F2B}"/>
+          <p:cNvPr id="3" name="Picture 2">
+            <a:extLst>
+              <a:ext uri="{FF2B5EF4-FFF2-40B4-BE49-F238E27FC236}">
+                <a16:creationId xmlns:a16="http://schemas.microsoft.com/office/drawing/2014/main" id="{27DA3936-3620-5144-A558-F6A309898E3E}"/>
               </a:ext>
             </a:extLst>
           </p:cNvPr>
@@ -7305,18 +10376,121 @@
         </p:blipFill>
         <p:spPr>
           <a:xfrm>
-            <a:off x="807655" y="1441772"/>
-            <a:ext cx="10160000" cy="2400300"/>
+            <a:off x="653247" y="1018975"/>
+            <a:ext cx="11163300" cy="3060700"/>
           </a:xfrm>
           <a:prstGeom prst="rect">
             <a:avLst/>
           </a:prstGeom>
         </p:spPr>
       </p:pic>
+      <p:sp>
+        <p:nvSpPr>
+          <p:cNvPr id="5" name="TextBox 4">
+            <a:extLst>
+              <a:ext uri="{FF2B5EF4-FFF2-40B4-BE49-F238E27FC236}">
+                <a16:creationId xmlns:a16="http://schemas.microsoft.com/office/drawing/2014/main" id="{D97429C3-A725-6E46-991D-B920E54E7628}"/>
+              </a:ext>
+            </a:extLst>
+          </p:cNvPr>
+          <p:cNvSpPr txBox="1"/>
+          <p:nvPr/>
+        </p:nvSpPr>
+        <p:spPr>
+          <a:xfrm>
+            <a:off x="408562" y="4321213"/>
+            <a:ext cx="11374875" cy="2308324"/>
+          </a:xfrm>
+          <a:prstGeom prst="rect">
+            <a:avLst/>
+          </a:prstGeom>
+          <a:noFill/>
+        </p:spPr>
+        <p:txBody>
+          <a:bodyPr wrap="square" rtlCol="0">
+            <a:spAutoFit/>
+          </a:bodyPr>
+          <a:lstStyle/>
+          <a:p>
+            <a:pPr marL="457200" indent="-457200">
+              <a:buFont typeface="+mj-lt"/>
+              <a:buAutoNum type="arabicPeriod"/>
+            </a:pPr>
+            <a:r>
+              <a:rPr lang="en-US" sz="2400" dirty="0"/>
+              <a:t>Since </a:t>
+            </a:r>
+            <a:r>
+              <a:rPr lang="en-US" sz="2400" i="1" dirty="0"/>
+              <a:t>a</a:t>
+            </a:r>
+            <a:r>
+              <a:rPr lang="en-US" sz="2400" dirty="0"/>
+              <a:t> and </a:t>
+            </a:r>
+            <a:r>
+              <a:rPr lang="en-US" sz="2400" i="1" dirty="0"/>
+              <a:t>b</a:t>
+            </a:r>
+            <a:r>
+              <a:rPr lang="en-US" sz="2400" dirty="0"/>
+              <a:t> are tuned to each gas, we expect Eq. (2) to be more accurate than the ideal gas law. </a:t>
+            </a:r>
+            <a:r>
+              <a:rPr lang="en-US" sz="2400" i="1" dirty="0"/>
+              <a:t>Spoiler: deviations are biggest when the volume is small.</a:t>
+            </a:r>
+          </a:p>
+          <a:p>
+            <a:pPr marL="457200" indent="-457200">
+              <a:buFont typeface="+mj-lt"/>
+              <a:buAutoNum type="arabicPeriod"/>
+            </a:pPr>
+            <a:r>
+              <a:rPr lang="en-US" sz="2400" dirty="0"/>
+              <a:t>When “a” is big, intermolecular </a:t>
+            </a:r>
+            <a:r>
+              <a:rPr lang="en-US" sz="2400" b="1" dirty="0">
+                <a:solidFill>
+                  <a:schemeClr val="accent1"/>
+                </a:solidFill>
+              </a:rPr>
+              <a:t>attractions</a:t>
+            </a:r>
+            <a:r>
+              <a:rPr lang="en-US" sz="2400" dirty="0"/>
+              <a:t> are significant, and the pressure is smaller than ideal.</a:t>
+            </a:r>
+          </a:p>
+          <a:p>
+            <a:pPr marL="457200" indent="-457200">
+              <a:buFont typeface="+mj-lt"/>
+              <a:buAutoNum type="arabicPeriod"/>
+            </a:pPr>
+            <a:r>
+              <a:rPr lang="en-US" sz="2400" dirty="0"/>
+              <a:t>When “b” is big, intermolecular </a:t>
+            </a:r>
+            <a:r>
+              <a:rPr lang="en-US" sz="2400" b="1" dirty="0">
+                <a:solidFill>
+                  <a:srgbClr val="FF0000"/>
+                </a:solidFill>
+              </a:rPr>
+              <a:t>repulsions</a:t>
+            </a:r>
+            <a:r>
+              <a:rPr lang="en-US" sz="2400" dirty="0"/>
+              <a:t> are significant, and the pressure is bigger than ideal.</a:t>
+            </a:r>
+          </a:p>
+        </p:txBody>
+      </p:sp>
     </p:spTree>
     <p:extLst>
       <p:ext uri="{BB962C8B-B14F-4D97-AF65-F5344CB8AC3E}">
-        <p14:creationId xmlns:p14="http://schemas.microsoft.com/office/powerpoint/2010/main" val="1246009390"/>
+        <p14:creationId xmlns:p14="http://schemas.microsoft.com/office/powerpoint/2010/main" val="4293312916"/>
       </p:ext>
     </p:extLst>
   </p:cSld>
@@ -7373,33 +10547,17 @@
           <a:p>
             <a:r>
               <a:rPr lang="en-US" sz="2400" b="1" dirty="0"/>
-              <a:t>Units: using pint’s </a:t>
-            </a:r>
-            <a:r>
-              <a:rPr lang="en-US" sz="2400" b="1" dirty="0" err="1"/>
-              <a:t>UnitRegistry</a:t>
-            </a:r>
-            <a:r>
-              <a:rPr lang="en-US" sz="2400" b="1" dirty="0"/>
-              <a:t> (</a:t>
-            </a:r>
-            <a:r>
-              <a:rPr lang="en-US" sz="2400" b="1" dirty="0" err="1"/>
-              <a:t>ureg</a:t>
-            </a:r>
-            <a:r>
-              <a:rPr lang="en-US" sz="2400" b="1" dirty="0"/>
-              <a:t>) </a:t>
+              <a:t>Scientific notation</a:t>
             </a:r>
           </a:p>
         </p:txBody>
       </p:sp>
       <p:pic>
         <p:nvPicPr>
-          <p:cNvPr id="7" name="Picture 6">
-            <a:extLst>
-              <a:ext uri="{FF2B5EF4-FFF2-40B4-BE49-F238E27FC236}">
-                <a16:creationId xmlns:a16="http://schemas.microsoft.com/office/drawing/2014/main" id="{3507F13B-022F-9E43-918F-47D5B90F93F7}"/>
+          <p:cNvPr id="12" name="Picture 11">
+            <a:extLst>
+              <a:ext uri="{FF2B5EF4-FFF2-40B4-BE49-F238E27FC236}">
+                <a16:creationId xmlns:a16="http://schemas.microsoft.com/office/drawing/2014/main" id="{169C47B9-9B2D-304B-9059-E832DD839F2B}"/>
               </a:ext>
             </a:extLst>
           </p:cNvPr>
@@ -7408,380 +10566,26 @@
           </p:cNvPicPr>
           <p:nvPr/>
         </p:nvPicPr>
-        <p:blipFill rotWithShape="1">
+        <p:blipFill>
           <a:blip r:embed="rId2"/>
-          <a:srcRect l="1314" r="53841"/>
-          <a:stretch/>
+          <a:stretch>
+            <a:fillRect/>
+          </a:stretch>
         </p:blipFill>
         <p:spPr>
           <a:xfrm>
-            <a:off x="3566403" y="1383567"/>
-            <a:ext cx="3576578" cy="1086378"/>
+            <a:off x="807655" y="1441772"/>
+            <a:ext cx="10160000" cy="2400300"/>
           </a:xfrm>
           <a:prstGeom prst="rect">
             <a:avLst/>
           </a:prstGeom>
         </p:spPr>
       </p:pic>
-      <p:sp>
-        <p:nvSpPr>
-          <p:cNvPr id="3" name="TextBox 2">
-            <a:extLst>
-              <a:ext uri="{FF2B5EF4-FFF2-40B4-BE49-F238E27FC236}">
-                <a16:creationId xmlns:a16="http://schemas.microsoft.com/office/drawing/2014/main" id="{1DDC7D94-172B-DB4F-B60D-074021B63032}"/>
-              </a:ext>
-            </a:extLst>
-          </p:cNvPr>
-          <p:cNvSpPr txBox="1"/>
-          <p:nvPr/>
-        </p:nvSpPr>
-        <p:spPr>
-          <a:xfrm>
-            <a:off x="134912" y="921902"/>
-            <a:ext cx="11524652" cy="461665"/>
-          </a:xfrm>
-          <a:prstGeom prst="rect">
-            <a:avLst/>
-          </a:prstGeom>
-          <a:noFill/>
-        </p:spPr>
-        <p:txBody>
-          <a:bodyPr wrap="square" rtlCol="0">
-            <a:spAutoFit/>
-          </a:bodyPr>
-          <a:lstStyle/>
-          <a:p>
-            <a:r>
-              <a:rPr lang="en-US" sz="2400" dirty="0"/>
-              <a:t>This is how you bring pint &amp; </a:t>
-            </a:r>
-            <a:r>
-              <a:rPr lang="en-US" sz="2400" dirty="0" err="1"/>
-              <a:t>ureg</a:t>
-            </a:r>
-            <a:r>
-              <a:rPr lang="en-US" sz="2400" dirty="0"/>
-              <a:t> into your Python notebook (“importing”) </a:t>
-            </a:r>
-          </a:p>
-        </p:txBody>
-      </p:sp>
-      <p:pic>
-        <p:nvPicPr>
-          <p:cNvPr id="5" name="Picture 4">
-            <a:extLst>
-              <a:ext uri="{FF2B5EF4-FFF2-40B4-BE49-F238E27FC236}">
-                <a16:creationId xmlns:a16="http://schemas.microsoft.com/office/drawing/2014/main" id="{15234A95-D592-134C-A18F-7A522B07E71C}"/>
-              </a:ext>
-            </a:extLst>
-          </p:cNvPr>
-          <p:cNvPicPr>
-            <a:picLocks noChangeAspect="1"/>
-          </p:cNvPicPr>
-          <p:nvPr/>
-        </p:nvPicPr>
-        <p:blipFill rotWithShape="1">
-          <a:blip r:embed="rId3"/>
-          <a:srcRect t="8383" b="29067"/>
-          <a:stretch/>
-        </p:blipFill>
-        <p:spPr>
-          <a:xfrm>
-            <a:off x="532437" y="3210477"/>
-            <a:ext cx="4822255" cy="3444455"/>
-          </a:xfrm>
-          <a:prstGeom prst="rect">
-            <a:avLst/>
-          </a:prstGeom>
-        </p:spPr>
-      </p:pic>
-      <mc:AlternateContent xmlns:mc="http://schemas.openxmlformats.org/markup-compatibility/2006" xmlns:a14="http://schemas.microsoft.com/office/drawing/2010/main">
-        <mc:Choice Requires="a14">
-          <p:sp>
-            <p:nvSpPr>
-              <p:cNvPr id="9" name="TextBox 8">
-                <a:extLst>
-                  <a:ext uri="{FF2B5EF4-FFF2-40B4-BE49-F238E27FC236}">
-                    <a16:creationId xmlns:a16="http://schemas.microsoft.com/office/drawing/2014/main" id="{50696022-D68D-D244-AB6A-0B18F7AB6172}"/>
-                  </a:ext>
-                </a:extLst>
-              </p:cNvPr>
-              <p:cNvSpPr txBox="1"/>
-              <p:nvPr/>
-            </p:nvSpPr>
-            <p:spPr>
-              <a:xfrm>
-                <a:off x="162700" y="2502525"/>
-                <a:ext cx="11894387" cy="461665"/>
-              </a:xfrm>
-              <a:prstGeom prst="rect">
-                <a:avLst/>
-              </a:prstGeom>
-              <a:noFill/>
-            </p:spPr>
-            <p:txBody>
-              <a:bodyPr wrap="square" rtlCol="0">
-                <a:spAutoFit/>
-              </a:bodyPr>
-              <a:lstStyle/>
-              <a:p>
-                <a:r>
-                  <a:rPr lang="en-US" sz="2400" dirty="0"/>
-                  <a:t>Super-handy because </a:t>
-                </a:r>
-                <a:r>
-                  <a:rPr lang="en-US" sz="2400" b="1" dirty="0"/>
-                  <a:t>pint does conversions for you</a:t>
-                </a:r>
-                <a:r>
-                  <a:rPr lang="en-US" sz="2400" dirty="0"/>
-                  <a:t>. Say  you want </a:t>
-                </a:r>
-                <a14:m>
-                  <m:oMath xmlns:m="http://schemas.openxmlformats.org/officeDocument/2006/math">
-                    <m:r>
-                      <a:rPr lang="en-US" sz="2400" b="0" i="1" smtClean="0">
-                        <a:latin typeface="Cambria Math" panose="02040503050406030204" pitchFamily="18" charset="0"/>
-                      </a:rPr>
-                      <m:t>𝑃</m:t>
-                    </m:r>
-                    <m:r>
-                      <a:rPr lang="en-US" sz="2400" b="0" i="1" smtClean="0">
-                        <a:latin typeface="Cambria Math" panose="02040503050406030204" pitchFamily="18" charset="0"/>
-                      </a:rPr>
-                      <m:t>=</m:t>
-                    </m:r>
-                    <m:r>
-                      <a:rPr lang="en-US" sz="2400" b="0" i="1" smtClean="0">
-                        <a:latin typeface="Cambria Math" panose="02040503050406030204" pitchFamily="18" charset="0"/>
-                      </a:rPr>
-                      <m:t>𝑛𝑅𝑇</m:t>
-                    </m:r>
-                    <m:r>
-                      <a:rPr lang="en-US" sz="2400" b="0" i="1" smtClean="0">
-                        <a:latin typeface="Cambria Math" panose="02040503050406030204" pitchFamily="18" charset="0"/>
-                      </a:rPr>
-                      <m:t>/</m:t>
-                    </m:r>
-                    <m:r>
-                      <a:rPr lang="en-US" sz="2400" b="0" i="1" smtClean="0">
-                        <a:latin typeface="Cambria Math" panose="02040503050406030204" pitchFamily="18" charset="0"/>
-                      </a:rPr>
-                      <m:t>𝑉</m:t>
-                    </m:r>
-                  </m:oMath>
-                </a14:m>
-                <a:endParaRPr lang="en-US" sz="2400" dirty="0"/>
-              </a:p>
-            </p:txBody>
-          </p:sp>
-        </mc:Choice>
-        <mc:Fallback xmlns="">
-          <p:sp>
-            <p:nvSpPr>
-              <p:cNvPr id="9" name="TextBox 8">
-                <a:extLst>
-                  <a:ext uri="{FF2B5EF4-FFF2-40B4-BE49-F238E27FC236}">
-                    <a16:creationId xmlns:a16="http://schemas.microsoft.com/office/drawing/2014/main" id="{50696022-D68D-D244-AB6A-0B18F7AB6172}"/>
-                  </a:ext>
-                </a:extLst>
-              </p:cNvPr>
-              <p:cNvSpPr txBox="1">
-                <a:spLocks noRot="1" noChangeAspect="1" noMove="1" noResize="1" noEditPoints="1" noAdjustHandles="1" noChangeArrowheads="1" noChangeShapeType="1" noTextEdit="1"/>
-              </p:cNvSpPr>
-              <p:nvPr/>
-            </p:nvSpPr>
-            <p:spPr>
-              <a:xfrm>
-                <a:off x="162700" y="2502525"/>
-                <a:ext cx="11894387" cy="461665"/>
-              </a:xfrm>
-              <a:prstGeom prst="rect">
-                <a:avLst/>
-              </a:prstGeom>
-              <a:blipFill>
-                <a:blip r:embed="rId4"/>
-                <a:stretch>
-                  <a:fillRect l="-746" t="-10811" b="-29730"/>
-                </a:stretch>
-              </a:blipFill>
-            </p:spPr>
-            <p:txBody>
-              <a:bodyPr/>
-              <a:lstStyle/>
-              <a:p>
-                <a:r>
-                  <a:rPr lang="en-US">
-                    <a:noFill/>
-                  </a:rPr>
-                  <a:t> </a:t>
-                </a:r>
-              </a:p>
-            </p:txBody>
-          </p:sp>
-        </mc:Fallback>
-      </mc:AlternateContent>
-      <p:pic>
-        <p:nvPicPr>
-          <p:cNvPr id="11" name="Picture 10">
-            <a:extLst>
-              <a:ext uri="{FF2B5EF4-FFF2-40B4-BE49-F238E27FC236}">
-                <a16:creationId xmlns:a16="http://schemas.microsoft.com/office/drawing/2014/main" id="{941DBEE8-D5E6-A547-A208-D4D198E34745}"/>
-              </a:ext>
-            </a:extLst>
-          </p:cNvPr>
-          <p:cNvPicPr>
-            <a:picLocks noChangeAspect="1"/>
-          </p:cNvPicPr>
-          <p:nvPr/>
-        </p:nvPicPr>
-        <p:blipFill rotWithShape="1">
-          <a:blip r:embed="rId3"/>
-          <a:srcRect t="70652"/>
-          <a:stretch/>
-        </p:blipFill>
-        <p:spPr>
-          <a:xfrm>
-            <a:off x="5354692" y="3629993"/>
-            <a:ext cx="6356990" cy="2130448"/>
-          </a:xfrm>
-          <a:prstGeom prst="rect">
-            <a:avLst/>
-          </a:prstGeom>
-        </p:spPr>
-      </p:pic>
-      <p:cxnSp>
-        <p:nvCxnSpPr>
-          <p:cNvPr id="16" name="Straight Arrow Connector 15">
-            <a:extLst>
-              <a:ext uri="{FF2B5EF4-FFF2-40B4-BE49-F238E27FC236}">
-                <a16:creationId xmlns:a16="http://schemas.microsoft.com/office/drawing/2014/main" id="{B100D8AF-CF2F-B040-B73F-62CB517E79E5}"/>
-              </a:ext>
-            </a:extLst>
-          </p:cNvPr>
-          <p:cNvCxnSpPr>
-            <a:cxnSpLocks/>
-            <a:endCxn id="11" idx="1"/>
-          </p:cNvCxnSpPr>
-          <p:nvPr/>
-        </p:nvCxnSpPr>
-        <p:spPr>
-          <a:xfrm flipV="1">
-            <a:off x="2496805" y="4695217"/>
-            <a:ext cx="2857887" cy="296746"/>
-          </a:xfrm>
-          <a:prstGeom prst="straightConnector1">
-            <a:avLst/>
-          </a:prstGeom>
-          <a:ln w="50800">
-            <a:tailEnd type="triangle"/>
-          </a:ln>
-        </p:spPr>
-        <p:style>
-          <a:lnRef idx="1">
-            <a:schemeClr val="accent1"/>
-          </a:lnRef>
-          <a:fillRef idx="0">
-            <a:schemeClr val="accent1"/>
-          </a:fillRef>
-          <a:effectRef idx="0">
-            <a:schemeClr val="accent1"/>
-          </a:effectRef>
-          <a:fontRef idx="minor">
-            <a:schemeClr val="tx1"/>
-          </a:fontRef>
-        </p:style>
-      </p:cxnSp>
-      <p:cxnSp>
-        <p:nvCxnSpPr>
-          <p:cNvPr id="19" name="Straight Arrow Connector 18">
-            <a:extLst>
-              <a:ext uri="{FF2B5EF4-FFF2-40B4-BE49-F238E27FC236}">
-                <a16:creationId xmlns:a16="http://schemas.microsoft.com/office/drawing/2014/main" id="{DB0694A6-EEE9-BA4B-A86F-AB1E85139881}"/>
-              </a:ext>
-            </a:extLst>
-          </p:cNvPr>
-          <p:cNvCxnSpPr>
-            <a:cxnSpLocks/>
-          </p:cNvCxnSpPr>
-          <p:nvPr/>
-        </p:nvCxnSpPr>
-        <p:spPr>
-          <a:xfrm flipV="1">
-            <a:off x="3420056" y="4991963"/>
-            <a:ext cx="1934636" cy="207302"/>
-          </a:xfrm>
-          <a:prstGeom prst="straightConnector1">
-            <a:avLst/>
-          </a:prstGeom>
-          <a:ln w="50800">
-            <a:tailEnd type="triangle"/>
-          </a:ln>
-        </p:spPr>
-        <p:style>
-          <a:lnRef idx="1">
-            <a:schemeClr val="accent1"/>
-          </a:lnRef>
-          <a:fillRef idx="0">
-            <a:schemeClr val="accent1"/>
-          </a:fillRef>
-          <a:effectRef idx="0">
-            <a:schemeClr val="accent1"/>
-          </a:effectRef>
-          <a:fontRef idx="minor">
-            <a:schemeClr val="tx1"/>
-          </a:fontRef>
-        </p:style>
-      </p:cxnSp>
-      <p:sp>
-        <p:nvSpPr>
-          <p:cNvPr id="21" name="Right Brace 20">
-            <a:extLst>
-              <a:ext uri="{FF2B5EF4-FFF2-40B4-BE49-F238E27FC236}">
-                <a16:creationId xmlns:a16="http://schemas.microsoft.com/office/drawing/2014/main" id="{62D5DA75-4A19-3C40-A452-F25D34A81BA3}"/>
-              </a:ext>
-            </a:extLst>
-          </p:cNvPr>
-          <p:cNvSpPr/>
-          <p:nvPr/>
-        </p:nvSpPr>
-        <p:spPr>
-          <a:xfrm>
-            <a:off x="4757195" y="3646025"/>
-            <a:ext cx="312516" cy="821803"/>
-          </a:xfrm>
-          <a:prstGeom prst="rightBrace">
-            <a:avLst/>
-          </a:prstGeom>
-          <a:ln w="38100"/>
-        </p:spPr>
-        <p:style>
-          <a:lnRef idx="1">
-            <a:schemeClr val="accent1"/>
-          </a:lnRef>
-          <a:fillRef idx="0">
-            <a:schemeClr val="accent1"/>
-          </a:fillRef>
-          <a:effectRef idx="0">
-            <a:schemeClr val="accent1"/>
-          </a:effectRef>
-          <a:fontRef idx="minor">
-            <a:schemeClr val="tx1"/>
-          </a:fontRef>
-        </p:style>
-        <p:txBody>
-          <a:bodyPr rtlCol="0" anchor="ctr"/>
-          <a:lstStyle/>
-          <a:p>
-            <a:pPr algn="ctr"/>
-            <a:endParaRPr lang="en-US" dirty="0"/>
-          </a:p>
-        </p:txBody>
-      </p:sp>
     </p:spTree>
     <p:extLst>
       <p:ext uri="{BB962C8B-B14F-4D97-AF65-F5344CB8AC3E}">
-        <p14:creationId xmlns:p14="http://schemas.microsoft.com/office/powerpoint/2010/main" val="1726199459"/>
+        <p14:creationId xmlns:p14="http://schemas.microsoft.com/office/powerpoint/2010/main" val="1246009390"/>
       </p:ext>
     </p:extLst>
   </p:cSld>
